--- a/Phase 1/Flowchart Data Engineering.pptx
+++ b/Phase 1/Flowchart Data Engineering.pptx
@@ -3328,10 +3328,10 @@
       </p:grpSpPr>
       <p:sp>
         <p:nvSpPr>
-          <p:cNvPr id="12" name="Rechteck 11">
-            <a:extLst>
-              <a:ext uri="{FF2B5EF4-FFF2-40B4-BE49-F238E27FC236}">
-                <a16:creationId xmlns:a16="http://schemas.microsoft.com/office/drawing/2014/main" id="{43C165C0-80FD-B897-0743-6640912B1D23}"/>
+          <p:cNvPr id="32" name="Rechteck 31">
+            <a:extLst>
+              <a:ext uri="{FF2B5EF4-FFF2-40B4-BE49-F238E27FC236}">
+                <a16:creationId xmlns:a16="http://schemas.microsoft.com/office/drawing/2014/main" id="{2B4FC46B-59EB-C77E-1119-AA2877B549F6}"/>
               </a:ext>
             </a:extLst>
           </p:cNvPr>
@@ -3340,12 +3340,294 @@
         </p:nvSpPr>
         <p:spPr>
           <a:xfrm>
-            <a:off x="3161121" y="933253"/>
-            <a:ext cx="1998483" cy="1706251"/>
+            <a:off x="5579947" y="250860"/>
+            <a:ext cx="2768600" cy="6572250"/>
           </a:xfrm>
           <a:prstGeom prst="rect">
             <a:avLst/>
           </a:prstGeom>
+        </p:spPr>
+        <p:style>
+          <a:lnRef idx="1">
+            <a:schemeClr val="accent1"/>
+          </a:lnRef>
+          <a:fillRef idx="2">
+            <a:schemeClr val="accent1"/>
+          </a:fillRef>
+          <a:effectRef idx="1">
+            <a:schemeClr val="accent1"/>
+          </a:effectRef>
+          <a:fontRef idx="minor">
+            <a:schemeClr val="dk1"/>
+          </a:fontRef>
+        </p:style>
+        <p:txBody>
+          <a:bodyPr rtlCol="0" anchor="ctr"/>
+          <a:lstStyle/>
+          <a:p>
+            <a:pPr algn="ctr"/>
+            <a:endParaRPr lang="de-DE">
+              <a:latin typeface="Calibri" panose="020F0502020204030204" pitchFamily="34" charset="0"/>
+              <a:ea typeface="Calibri" panose="020F0502020204030204" pitchFamily="34" charset="0"/>
+              <a:cs typeface="Calibri" panose="020F0502020204030204" pitchFamily="34" charset="0"/>
+            </a:endParaRPr>
+          </a:p>
+        </p:txBody>
+      </p:sp>
+      <p:sp>
+        <p:nvSpPr>
+          <p:cNvPr id="33" name="Textfeld 32">
+            <a:extLst>
+              <a:ext uri="{FF2B5EF4-FFF2-40B4-BE49-F238E27FC236}">
+                <a16:creationId xmlns:a16="http://schemas.microsoft.com/office/drawing/2014/main" id="{BF6197B8-AAAA-CBF6-701C-98D82A9B88A5}"/>
+              </a:ext>
+            </a:extLst>
+          </p:cNvPr>
+          <p:cNvSpPr txBox="1"/>
+          <p:nvPr/>
+        </p:nvSpPr>
+        <p:spPr>
+          <a:xfrm>
+            <a:off x="5744615" y="348826"/>
+            <a:ext cx="2594008" cy="369332"/>
+          </a:xfrm>
+          <a:prstGeom prst="rect">
+            <a:avLst/>
+          </a:prstGeom>
+          <a:noFill/>
+        </p:spPr>
+        <p:txBody>
+          <a:bodyPr wrap="square" rtlCol="0">
+            <a:spAutoFit/>
+          </a:bodyPr>
+          <a:lstStyle/>
+          <a:p>
+            <a:r>
+              <a:rPr lang="de-DE" b="1" dirty="0">
+                <a:latin typeface="Calibri" panose="020F0502020204030204" pitchFamily="34" charset="0"/>
+                <a:ea typeface="Calibri" panose="020F0502020204030204" pitchFamily="34" charset="0"/>
+                <a:cs typeface="Calibri" panose="020F0502020204030204" pitchFamily="34" charset="0"/>
+              </a:rPr>
+              <a:t>Data Processing Service</a:t>
+            </a:r>
+          </a:p>
+        </p:txBody>
+      </p:sp>
+      <p:sp>
+        <p:nvSpPr>
+          <p:cNvPr id="30" name="Rechteck 29">
+            <a:extLst>
+              <a:ext uri="{FF2B5EF4-FFF2-40B4-BE49-F238E27FC236}">
+                <a16:creationId xmlns:a16="http://schemas.microsoft.com/office/drawing/2014/main" id="{0DDF6EE6-F65D-7163-2B8E-2911F742C637}"/>
+              </a:ext>
+            </a:extLst>
+          </p:cNvPr>
+          <p:cNvSpPr/>
+          <p:nvPr/>
+        </p:nvSpPr>
+        <p:spPr>
+          <a:xfrm>
+            <a:off x="2810993" y="250860"/>
+            <a:ext cx="2768600" cy="6572250"/>
+          </a:xfrm>
+          <a:prstGeom prst="rect">
+            <a:avLst/>
+          </a:prstGeom>
+        </p:spPr>
+        <p:style>
+          <a:lnRef idx="1">
+            <a:schemeClr val="accent1"/>
+          </a:lnRef>
+          <a:fillRef idx="2">
+            <a:schemeClr val="accent1"/>
+          </a:fillRef>
+          <a:effectRef idx="1">
+            <a:schemeClr val="accent1"/>
+          </a:effectRef>
+          <a:fontRef idx="minor">
+            <a:schemeClr val="dk1"/>
+          </a:fontRef>
+        </p:style>
+        <p:txBody>
+          <a:bodyPr rtlCol="0" anchor="ctr"/>
+          <a:lstStyle/>
+          <a:p>
+            <a:pPr algn="ctr"/>
+            <a:endParaRPr lang="de-DE">
+              <a:latin typeface="Calibri" panose="020F0502020204030204" pitchFamily="34" charset="0"/>
+              <a:ea typeface="Calibri" panose="020F0502020204030204" pitchFamily="34" charset="0"/>
+              <a:cs typeface="Calibri" panose="020F0502020204030204" pitchFamily="34" charset="0"/>
+            </a:endParaRPr>
+          </a:p>
+        </p:txBody>
+      </p:sp>
+      <p:sp>
+        <p:nvSpPr>
+          <p:cNvPr id="31" name="Textfeld 30">
+            <a:extLst>
+              <a:ext uri="{FF2B5EF4-FFF2-40B4-BE49-F238E27FC236}">
+                <a16:creationId xmlns:a16="http://schemas.microsoft.com/office/drawing/2014/main" id="{5A5C85A1-4823-8365-8E27-2D5B33E69A2A}"/>
+              </a:ext>
+            </a:extLst>
+          </p:cNvPr>
+          <p:cNvSpPr txBox="1"/>
+          <p:nvPr/>
+        </p:nvSpPr>
+        <p:spPr>
+          <a:xfrm>
+            <a:off x="3050471" y="368495"/>
+            <a:ext cx="2419416" cy="369332"/>
+          </a:xfrm>
+          <a:prstGeom prst="rect">
+            <a:avLst/>
+          </a:prstGeom>
+          <a:noFill/>
+        </p:spPr>
+        <p:txBody>
+          <a:bodyPr wrap="square" rtlCol="0">
+            <a:spAutoFit/>
+          </a:bodyPr>
+          <a:lstStyle/>
+          <a:p>
+            <a:r>
+              <a:rPr lang="de-DE" b="1" dirty="0">
+                <a:latin typeface="Calibri" panose="020F0502020204030204" pitchFamily="34" charset="0"/>
+                <a:ea typeface="Calibri" panose="020F0502020204030204" pitchFamily="34" charset="0"/>
+                <a:cs typeface="Calibri" panose="020F0502020204030204" pitchFamily="34" charset="0"/>
+              </a:rPr>
+              <a:t>Data Ingestion Service</a:t>
+            </a:r>
+          </a:p>
+        </p:txBody>
+      </p:sp>
+      <p:sp>
+        <p:nvSpPr>
+          <p:cNvPr id="74" name="Rechteck 73">
+            <a:extLst>
+              <a:ext uri="{FF2B5EF4-FFF2-40B4-BE49-F238E27FC236}">
+                <a16:creationId xmlns:a16="http://schemas.microsoft.com/office/drawing/2014/main" id="{FC251E23-4519-96C4-4B36-B4FCFF5E5DB9}"/>
+              </a:ext>
+            </a:extLst>
+          </p:cNvPr>
+          <p:cNvSpPr/>
+          <p:nvPr/>
+        </p:nvSpPr>
+        <p:spPr>
+          <a:xfrm>
+            <a:off x="8338623" y="250860"/>
+            <a:ext cx="2768600" cy="6572250"/>
+          </a:xfrm>
+          <a:prstGeom prst="rect">
+            <a:avLst/>
+          </a:prstGeom>
+        </p:spPr>
+        <p:style>
+          <a:lnRef idx="1">
+            <a:schemeClr val="accent1"/>
+          </a:lnRef>
+          <a:fillRef idx="2">
+            <a:schemeClr val="accent1"/>
+          </a:fillRef>
+          <a:effectRef idx="1">
+            <a:schemeClr val="accent1"/>
+          </a:effectRef>
+          <a:fontRef idx="minor">
+            <a:schemeClr val="dk1"/>
+          </a:fontRef>
+        </p:style>
+        <p:txBody>
+          <a:bodyPr rtlCol="0" anchor="ctr"/>
+          <a:lstStyle/>
+          <a:p>
+            <a:pPr algn="ctr"/>
+            <a:endParaRPr lang="de-DE">
+              <a:latin typeface="Calibri" panose="020F0502020204030204" pitchFamily="34" charset="0"/>
+              <a:ea typeface="Calibri" panose="020F0502020204030204" pitchFamily="34" charset="0"/>
+              <a:cs typeface="Calibri" panose="020F0502020204030204" pitchFamily="34" charset="0"/>
+            </a:endParaRPr>
+          </a:p>
+        </p:txBody>
+      </p:sp>
+      <p:sp>
+        <p:nvSpPr>
+          <p:cNvPr id="75" name="Textfeld 74">
+            <a:extLst>
+              <a:ext uri="{FF2B5EF4-FFF2-40B4-BE49-F238E27FC236}">
+                <a16:creationId xmlns:a16="http://schemas.microsoft.com/office/drawing/2014/main" id="{BFD86969-0AA3-585B-6B70-5203A6175D8B}"/>
+              </a:ext>
+            </a:extLst>
+          </p:cNvPr>
+          <p:cNvSpPr txBox="1"/>
+          <p:nvPr/>
+        </p:nvSpPr>
+        <p:spPr>
+          <a:xfrm>
+            <a:off x="8513569" y="390641"/>
+            <a:ext cx="2681601" cy="369332"/>
+          </a:xfrm>
+          <a:prstGeom prst="rect">
+            <a:avLst/>
+          </a:prstGeom>
+          <a:noFill/>
+        </p:spPr>
+        <p:txBody>
+          <a:bodyPr wrap="square" rtlCol="0">
+            <a:spAutoFit/>
+          </a:bodyPr>
+          <a:lstStyle/>
+          <a:p>
+            <a:r>
+              <a:rPr lang="de-DE" b="1" dirty="0">
+                <a:latin typeface="Calibri" panose="020F0502020204030204" pitchFamily="34" charset="0"/>
+                <a:ea typeface="Calibri" panose="020F0502020204030204" pitchFamily="34" charset="0"/>
+                <a:cs typeface="Calibri" panose="020F0502020204030204" pitchFamily="34" charset="0"/>
+              </a:rPr>
+              <a:t>Data </a:t>
+            </a:r>
+            <a:r>
+              <a:rPr lang="de-DE" b="1" dirty="0" err="1">
+                <a:latin typeface="Calibri" panose="020F0502020204030204" pitchFamily="34" charset="0"/>
+                <a:ea typeface="Calibri" panose="020F0502020204030204" pitchFamily="34" charset="0"/>
+                <a:cs typeface="Calibri" panose="020F0502020204030204" pitchFamily="34" charset="0"/>
+              </a:rPr>
+              <a:t>Persistance</a:t>
+            </a:r>
+            <a:r>
+              <a:rPr lang="de-DE" b="1" dirty="0">
+                <a:latin typeface="Calibri" panose="020F0502020204030204" pitchFamily="34" charset="0"/>
+                <a:ea typeface="Calibri" panose="020F0502020204030204" pitchFamily="34" charset="0"/>
+                <a:cs typeface="Calibri" panose="020F0502020204030204" pitchFamily="34" charset="0"/>
+              </a:rPr>
+              <a:t> Service</a:t>
+            </a:r>
+          </a:p>
+        </p:txBody>
+      </p:sp>
+      <p:sp>
+        <p:nvSpPr>
+          <p:cNvPr id="12" name="Rechteck 11">
+            <a:extLst>
+              <a:ext uri="{FF2B5EF4-FFF2-40B4-BE49-F238E27FC236}">
+                <a16:creationId xmlns:a16="http://schemas.microsoft.com/office/drawing/2014/main" id="{43C165C0-80FD-B897-0743-6640912B1D23}"/>
+              </a:ext>
+            </a:extLst>
+          </p:cNvPr>
+          <p:cNvSpPr/>
+          <p:nvPr/>
+        </p:nvSpPr>
+        <p:spPr>
+          <a:xfrm>
+            <a:off x="3352240" y="938580"/>
+            <a:ext cx="1658529" cy="1340093"/>
+          </a:xfrm>
+          <a:prstGeom prst="rect">
+            <a:avLst/>
+          </a:prstGeom>
+          <a:ln>
+            <a:solidFill>
+              <a:schemeClr val="tx1"/>
+            </a:solidFill>
+          </a:ln>
         </p:spPr>
         <p:style>
           <a:lnRef idx="2">
@@ -3367,8 +3649,12 @@
           <a:p>
             <a:pPr algn="ctr"/>
             <a:r>
-              <a:rPr lang="de-DE" dirty="0"/>
-              <a:t>Data Ingestion (Apache Kafka)</a:t>
+              <a:rPr lang="de-DE" dirty="0">
+                <a:latin typeface="Calibri" panose="020F0502020204030204" pitchFamily="34" charset="0"/>
+                <a:ea typeface="Calibri" panose="020F0502020204030204" pitchFamily="34" charset="0"/>
+                <a:cs typeface="Calibri" panose="020F0502020204030204" pitchFamily="34" charset="0"/>
+              </a:rPr>
+              <a:t>Apache Kafka Broker 1</a:t>
             </a:r>
           </a:p>
         </p:txBody>
@@ -3387,12 +3673,17 @@
         </p:nvSpPr>
         <p:spPr>
           <a:xfrm>
-            <a:off x="6096000" y="933254"/>
-            <a:ext cx="2199588" cy="1706250"/>
+            <a:off x="6145823" y="940725"/>
+            <a:ext cx="1652558" cy="1340084"/>
           </a:xfrm>
           <a:prstGeom prst="rect">
             <a:avLst/>
           </a:prstGeom>
+          <a:ln>
+            <a:solidFill>
+              <a:schemeClr val="tx1"/>
+            </a:solidFill>
+          </a:ln>
         </p:spPr>
         <p:style>
           <a:lnRef idx="2">
@@ -3414,8 +3705,28 @@
           <a:p>
             <a:pPr algn="ctr"/>
             <a:r>
-              <a:rPr lang="de-DE" dirty="0"/>
-              <a:t>Datenprozessierung (Apache Spark Core)</a:t>
+              <a:rPr lang="de-DE" dirty="0">
+                <a:latin typeface="Calibri" panose="020F0502020204030204" pitchFamily="34" charset="0"/>
+                <a:ea typeface="Calibri" panose="020F0502020204030204" pitchFamily="34" charset="0"/>
+                <a:cs typeface="Calibri" panose="020F0502020204030204" pitchFamily="34" charset="0"/>
+              </a:rPr>
+              <a:t>Apache Spark Core </a:t>
+            </a:r>
+            <a:r>
+              <a:rPr lang="de-DE" dirty="0" err="1">
+                <a:latin typeface="Calibri" panose="020F0502020204030204" pitchFamily="34" charset="0"/>
+                <a:ea typeface="Calibri" panose="020F0502020204030204" pitchFamily="34" charset="0"/>
+                <a:cs typeface="Calibri" panose="020F0502020204030204" pitchFamily="34" charset="0"/>
+              </a:rPr>
+              <a:t>Worker</a:t>
+            </a:r>
+            <a:r>
+              <a:rPr lang="de-DE" dirty="0">
+                <a:latin typeface="Calibri" panose="020F0502020204030204" pitchFamily="34" charset="0"/>
+                <a:ea typeface="Calibri" panose="020F0502020204030204" pitchFamily="34" charset="0"/>
+                <a:cs typeface="Calibri" panose="020F0502020204030204" pitchFamily="34" charset="0"/>
+              </a:rPr>
+              <a:t> 1</a:t>
             </a:r>
           </a:p>
         </p:txBody>
@@ -3434,12 +3745,17 @@
         </p:nvSpPr>
         <p:spPr>
           <a:xfrm>
-            <a:off x="9231983" y="933254"/>
-            <a:ext cx="2113176" cy="1706250"/>
+            <a:off x="8922278" y="938580"/>
+            <a:ext cx="1652558" cy="1340093"/>
           </a:xfrm>
           <a:prstGeom prst="rect">
             <a:avLst/>
           </a:prstGeom>
+          <a:ln>
+            <a:solidFill>
+              <a:schemeClr val="tx1"/>
+            </a:solidFill>
+          </a:ln>
         </p:spPr>
         <p:style>
           <a:lnRef idx="2">
@@ -3461,8 +3777,12 @@
           <a:p>
             <a:pPr algn="ctr"/>
             <a:r>
-              <a:rPr lang="de-DE" dirty="0"/>
-              <a:t>Datenspeicherung (HDFS)</a:t>
+              <a:rPr lang="de-DE" dirty="0">
+                <a:latin typeface="Calibri" panose="020F0502020204030204" pitchFamily="34" charset="0"/>
+                <a:ea typeface="Calibri" panose="020F0502020204030204" pitchFamily="34" charset="0"/>
+                <a:cs typeface="Calibri" panose="020F0502020204030204" pitchFamily="34" charset="0"/>
+              </a:rPr>
+              <a:t>HDFS</a:t>
             </a:r>
           </a:p>
         </p:txBody>
@@ -3476,20 +3796,24 @@
               </a:ext>
             </a:extLst>
           </p:cNvPr>
-          <p:cNvCxnSpPr/>
+          <p:cNvCxnSpPr>
+            <a:cxnSpLocks/>
+            <a:stCxn id="12" idx="3"/>
+            <a:endCxn id="13" idx="1"/>
+          </p:cNvCxnSpPr>
           <p:nvPr/>
         </p:nvCxnSpPr>
         <p:spPr>
           <a:xfrm>
-            <a:off x="5159604" y="1764383"/>
-            <a:ext cx="936395" cy="0"/>
+            <a:off x="5010769" y="1608627"/>
+            <a:ext cx="1135054" cy="2140"/>
           </a:xfrm>
           <a:prstGeom prst="straightConnector1">
             <a:avLst/>
           </a:prstGeom>
-          <a:ln w="19050" cap="flat" cmpd="sng" algn="ctr">
+          <a:ln w="25400" cap="flat" cmpd="sng" algn="ctr">
             <a:solidFill>
-              <a:schemeClr val="accent1"/>
+              <a:schemeClr val="tx1"/>
             </a:solidFill>
             <a:prstDash val="solid"/>
             <a:round/>
@@ -3521,20 +3845,24 @@
               </a:ext>
             </a:extLst>
           </p:cNvPr>
-          <p:cNvCxnSpPr/>
+          <p:cNvCxnSpPr>
+            <a:cxnSpLocks/>
+            <a:stCxn id="13" idx="3"/>
+            <a:endCxn id="14" idx="1"/>
+          </p:cNvCxnSpPr>
           <p:nvPr/>
         </p:nvCxnSpPr>
         <p:spPr>
-          <a:xfrm>
-            <a:off x="8295588" y="1764383"/>
-            <a:ext cx="936395" cy="0"/>
+          <a:xfrm flipV="1">
+            <a:off x="7798381" y="1608627"/>
+            <a:ext cx="1123897" cy="2140"/>
           </a:xfrm>
           <a:prstGeom prst="straightConnector1">
             <a:avLst/>
           </a:prstGeom>
-          <a:ln w="19050" cap="flat" cmpd="sng" algn="ctr">
+          <a:ln w="25400" cap="flat" cmpd="sng" algn="ctr">
             <a:solidFill>
-              <a:schemeClr val="accent1"/>
+              <a:schemeClr val="tx1"/>
             </a:solidFill>
             <a:prstDash val="solid"/>
             <a:round/>
@@ -3559,59 +3887,29 @@
       </p:cxnSp>
       <p:sp>
         <p:nvSpPr>
-          <p:cNvPr id="19" name="Textfeld 18">
-            <a:extLst>
-              <a:ext uri="{FF2B5EF4-FFF2-40B4-BE49-F238E27FC236}">
-                <a16:creationId xmlns:a16="http://schemas.microsoft.com/office/drawing/2014/main" id="{A43DD09E-5542-41ED-12BB-268B0D4169F3}"/>
-              </a:ext>
-            </a:extLst>
-          </p:cNvPr>
-          <p:cNvSpPr txBox="1"/>
+          <p:cNvPr id="20" name="Rechteck 19">
+            <a:extLst>
+              <a:ext uri="{FF2B5EF4-FFF2-40B4-BE49-F238E27FC236}">
+                <a16:creationId xmlns:a16="http://schemas.microsoft.com/office/drawing/2014/main" id="{60A9B804-BB3B-3C9C-E341-C56DE2A91477}"/>
+              </a:ext>
+            </a:extLst>
+          </p:cNvPr>
+          <p:cNvSpPr/>
           <p:nvPr/>
         </p:nvSpPr>
         <p:spPr>
           <a:xfrm>
-            <a:off x="226243" y="3059668"/>
-            <a:ext cx="5351283" cy="369332"/>
+            <a:off x="3352240" y="3358953"/>
+            <a:ext cx="1658529" cy="1340094"/>
           </a:xfrm>
           <a:prstGeom prst="rect">
             <a:avLst/>
           </a:prstGeom>
-          <a:noFill/>
-        </p:spPr>
-        <p:txBody>
-          <a:bodyPr wrap="square" rtlCol="0">
-            <a:spAutoFit/>
-          </a:bodyPr>
-          <a:lstStyle/>
-          <a:p>
-            <a:r>
-              <a:rPr lang="de-DE" dirty="0"/>
-              <a:t>….Horizontale Skalierung</a:t>
-            </a:r>
-          </a:p>
-        </p:txBody>
-      </p:sp>
-      <p:sp>
-        <p:nvSpPr>
-          <p:cNvPr id="20" name="Rechteck 19">
-            <a:extLst>
-              <a:ext uri="{FF2B5EF4-FFF2-40B4-BE49-F238E27FC236}">
-                <a16:creationId xmlns:a16="http://schemas.microsoft.com/office/drawing/2014/main" id="{60A9B804-BB3B-3C9C-E341-C56DE2A91477}"/>
-              </a:ext>
-            </a:extLst>
-          </p:cNvPr>
-          <p:cNvSpPr/>
-          <p:nvPr/>
-        </p:nvSpPr>
-        <p:spPr>
-          <a:xfrm>
-            <a:off x="3161121" y="3097548"/>
-            <a:ext cx="1998483" cy="1706251"/>
-          </a:xfrm>
-          <a:prstGeom prst="rect">
-            <a:avLst/>
-          </a:prstGeom>
+          <a:ln>
+            <a:solidFill>
+              <a:schemeClr val="tx1"/>
+            </a:solidFill>
+          </a:ln>
         </p:spPr>
         <p:style>
           <a:lnRef idx="2">
@@ -3633,7 +3931,11 @@
           <a:p>
             <a:pPr algn="ctr"/>
             <a:r>
-              <a:rPr lang="de-DE" dirty="0"/>
+              <a:rPr lang="de-DE" dirty="0">
+                <a:latin typeface="Calibri" panose="020F0502020204030204" pitchFamily="34" charset="0"/>
+                <a:ea typeface="Calibri" panose="020F0502020204030204" pitchFamily="34" charset="0"/>
+                <a:cs typeface="Calibri" panose="020F0502020204030204" pitchFamily="34" charset="0"/>
+              </a:rPr>
               <a:t>Apache Kafka Broker 2</a:t>
             </a:r>
           </a:p>
@@ -3653,12 +3955,17 @@
         </p:nvSpPr>
         <p:spPr>
           <a:xfrm>
-            <a:off x="3161121" y="4993906"/>
-            <a:ext cx="1998483" cy="1706251"/>
+            <a:off x="3352240" y="5340337"/>
+            <a:ext cx="1658529" cy="1340094"/>
           </a:xfrm>
           <a:prstGeom prst="rect">
             <a:avLst/>
           </a:prstGeom>
+          <a:ln>
+            <a:solidFill>
+              <a:schemeClr val="tx1"/>
+            </a:solidFill>
+          </a:ln>
         </p:spPr>
         <p:style>
           <a:lnRef idx="2">
@@ -3680,7 +3987,11 @@
           <a:p>
             <a:pPr algn="ctr"/>
             <a:r>
-              <a:rPr lang="de-DE" dirty="0"/>
+              <a:rPr lang="de-DE" dirty="0">
+                <a:latin typeface="Calibri" panose="020F0502020204030204" pitchFamily="34" charset="0"/>
+                <a:ea typeface="Calibri" panose="020F0502020204030204" pitchFamily="34" charset="0"/>
+                <a:cs typeface="Calibri" panose="020F0502020204030204" pitchFamily="34" charset="0"/>
+              </a:rPr>
               <a:t>Apache Kafka Broker 3</a:t>
             </a:r>
           </a:p>
@@ -3700,12 +4011,17 @@
         </p:nvSpPr>
         <p:spPr>
           <a:xfrm>
-            <a:off x="6103855" y="3097548"/>
-            <a:ext cx="2191733" cy="1706251"/>
+            <a:off x="6148809" y="3359229"/>
+            <a:ext cx="1652558" cy="1340094"/>
           </a:xfrm>
           <a:prstGeom prst="rect">
             <a:avLst/>
           </a:prstGeom>
+          <a:ln>
+            <a:solidFill>
+              <a:schemeClr val="tx1"/>
+            </a:solidFill>
+          </a:ln>
         </p:spPr>
         <p:style>
           <a:lnRef idx="2">
@@ -3727,15 +4043,27 @@
           <a:p>
             <a:pPr algn="ctr"/>
             <a:r>
-              <a:rPr lang="de-DE" dirty="0"/>
-              <a:t>Spark Core </a:t>
-            </a:r>
-            <a:r>
-              <a:rPr lang="de-DE" dirty="0" err="1"/>
+              <a:rPr lang="de-DE" dirty="0">
+                <a:latin typeface="Calibri" panose="020F0502020204030204" pitchFamily="34" charset="0"/>
+                <a:ea typeface="Calibri" panose="020F0502020204030204" pitchFamily="34" charset="0"/>
+                <a:cs typeface="Calibri" panose="020F0502020204030204" pitchFamily="34" charset="0"/>
+              </a:rPr>
+              <a:t>Apache Spark Core </a:t>
+            </a:r>
+            <a:r>
+              <a:rPr lang="de-DE" dirty="0" err="1">
+                <a:latin typeface="Calibri" panose="020F0502020204030204" pitchFamily="34" charset="0"/>
+                <a:ea typeface="Calibri" panose="020F0502020204030204" pitchFamily="34" charset="0"/>
+                <a:cs typeface="Calibri" panose="020F0502020204030204" pitchFamily="34" charset="0"/>
+              </a:rPr>
               <a:t>Worker</a:t>
             </a:r>
             <a:r>
-              <a:rPr lang="de-DE" dirty="0"/>
+              <a:rPr lang="de-DE" dirty="0">
+                <a:latin typeface="Calibri" panose="020F0502020204030204" pitchFamily="34" charset="0"/>
+                <a:ea typeface="Calibri" panose="020F0502020204030204" pitchFamily="34" charset="0"/>
+                <a:cs typeface="Calibri" panose="020F0502020204030204" pitchFamily="34" charset="0"/>
+              </a:rPr>
               <a:t> 2</a:t>
             </a:r>
           </a:p>
@@ -3755,12 +4083,17 @@
         </p:nvSpPr>
         <p:spPr>
           <a:xfrm>
-            <a:off x="6103855" y="5061464"/>
-            <a:ext cx="2191733" cy="1706251"/>
+            <a:off x="6142838" y="5340337"/>
+            <a:ext cx="1658529" cy="1340094"/>
           </a:xfrm>
           <a:prstGeom prst="rect">
             <a:avLst/>
           </a:prstGeom>
+          <a:ln>
+            <a:solidFill>
+              <a:schemeClr val="tx1"/>
+            </a:solidFill>
+          </a:ln>
         </p:spPr>
         <p:style>
           <a:lnRef idx="2">
@@ -3782,15 +4115,27 @@
           <a:p>
             <a:pPr algn="ctr"/>
             <a:r>
-              <a:rPr lang="de-DE" dirty="0"/>
-              <a:t>Spark Core </a:t>
-            </a:r>
-            <a:r>
-              <a:rPr lang="de-DE" dirty="0" err="1"/>
+              <a:rPr lang="de-DE" dirty="0">
+                <a:latin typeface="Calibri" panose="020F0502020204030204" pitchFamily="34" charset="0"/>
+                <a:ea typeface="Calibri" panose="020F0502020204030204" pitchFamily="34" charset="0"/>
+                <a:cs typeface="Calibri" panose="020F0502020204030204" pitchFamily="34" charset="0"/>
+              </a:rPr>
+              <a:t>Apache Spark Core </a:t>
+            </a:r>
+            <a:r>
+              <a:rPr lang="de-DE" dirty="0" err="1">
+                <a:latin typeface="Calibri" panose="020F0502020204030204" pitchFamily="34" charset="0"/>
+                <a:ea typeface="Calibri" panose="020F0502020204030204" pitchFamily="34" charset="0"/>
+                <a:cs typeface="Calibri" panose="020F0502020204030204" pitchFamily="34" charset="0"/>
+              </a:rPr>
               <a:t>Worker</a:t>
             </a:r>
             <a:r>
-              <a:rPr lang="de-DE" dirty="0"/>
+              <a:rPr lang="de-DE" dirty="0">
+                <a:latin typeface="Calibri" panose="020F0502020204030204" pitchFamily="34" charset="0"/>
+                <a:ea typeface="Calibri" panose="020F0502020204030204" pitchFamily="34" charset="0"/>
+                <a:cs typeface="Calibri" panose="020F0502020204030204" pitchFamily="34" charset="0"/>
+              </a:rPr>
               <a:t> 3</a:t>
             </a:r>
           </a:p>
@@ -3805,20 +4150,24 @@
               </a:ext>
             </a:extLst>
           </p:cNvPr>
-          <p:cNvCxnSpPr/>
+          <p:cNvCxnSpPr>
+            <a:cxnSpLocks/>
+            <a:stCxn id="20" idx="3"/>
+            <a:endCxn id="22" idx="1"/>
+          </p:cNvCxnSpPr>
           <p:nvPr/>
         </p:nvCxnSpPr>
         <p:spPr>
           <a:xfrm>
-            <a:off x="5167460" y="3950673"/>
-            <a:ext cx="936395" cy="0"/>
+            <a:off x="5010769" y="4029000"/>
+            <a:ext cx="1138040" cy="276"/>
           </a:xfrm>
           <a:prstGeom prst="straightConnector1">
             <a:avLst/>
           </a:prstGeom>
-          <a:ln w="19050" cap="flat" cmpd="sng" algn="ctr">
+          <a:ln w="25400" cap="flat" cmpd="sng" algn="ctr">
             <a:solidFill>
-              <a:schemeClr val="accent1"/>
+              <a:schemeClr val="tx1"/>
             </a:solidFill>
             <a:prstDash val="solid"/>
             <a:round/>
@@ -3850,20 +4199,24 @@
               </a:ext>
             </a:extLst>
           </p:cNvPr>
-          <p:cNvCxnSpPr/>
+          <p:cNvCxnSpPr>
+            <a:cxnSpLocks/>
+            <a:stCxn id="21" idx="3"/>
+            <a:endCxn id="23" idx="1"/>
+          </p:cNvCxnSpPr>
           <p:nvPr/>
         </p:nvCxnSpPr>
         <p:spPr>
           <a:xfrm>
-            <a:off x="5167460" y="5914589"/>
-            <a:ext cx="936395" cy="0"/>
+            <a:off x="5010769" y="6010384"/>
+            <a:ext cx="1132069" cy="0"/>
           </a:xfrm>
           <a:prstGeom prst="straightConnector1">
             <a:avLst/>
           </a:prstGeom>
-          <a:ln w="19050" cap="flat" cmpd="sng" algn="ctr">
+          <a:ln w="25400" cap="flat" cmpd="sng" algn="ctr">
             <a:solidFill>
-              <a:schemeClr val="accent1"/>
+              <a:schemeClr val="tx1"/>
             </a:solidFill>
             <a:prstDash val="solid"/>
             <a:round/>
@@ -3896,6 +4249,7 @@
             </a:extLst>
           </p:cNvPr>
           <p:cNvCxnSpPr>
+            <a:cxnSpLocks/>
             <a:stCxn id="22" idx="3"/>
             <a:endCxn id="14" idx="2"/>
           </p:cNvCxnSpPr>
@@ -3903,13 +4257,16 @@
         </p:nvCxnSpPr>
         <p:spPr>
           <a:xfrm flipV="1">
-            <a:off x="8295588" y="2639504"/>
-            <a:ext cx="1992983" cy="1311170"/>
+            <a:off x="7801367" y="2278673"/>
+            <a:ext cx="1947190" cy="1750603"/>
           </a:xfrm>
           <a:prstGeom prst="straightConnector1">
             <a:avLst/>
           </a:prstGeom>
-          <a:ln>
+          <a:ln w="25400">
+            <a:solidFill>
+              <a:schemeClr val="tx1"/>
+            </a:solidFill>
             <a:tailEnd type="triangle"/>
           </a:ln>
         </p:spPr>
@@ -3939,20 +4296,309 @@
           </p:cNvPr>
           <p:cNvCxnSpPr>
             <a:cxnSpLocks/>
+            <a:stCxn id="23" idx="3"/>
             <a:endCxn id="14" idx="2"/>
           </p:cNvCxnSpPr>
           <p:nvPr/>
         </p:nvCxnSpPr>
         <p:spPr>
           <a:xfrm flipV="1">
-            <a:off x="8295588" y="2639504"/>
-            <a:ext cx="1992983" cy="3285242"/>
+            <a:off x="7801367" y="2278673"/>
+            <a:ext cx="1947190" cy="3731711"/>
           </a:xfrm>
           <a:prstGeom prst="straightConnector1">
             <a:avLst/>
           </a:prstGeom>
+          <a:ln w="25400">
+            <a:solidFill>
+              <a:schemeClr val="tx1"/>
+            </a:solidFill>
+            <a:tailEnd type="triangle"/>
+          </a:ln>
+        </p:spPr>
+        <p:style>
+          <a:lnRef idx="2">
+            <a:schemeClr val="accent1"/>
+          </a:lnRef>
+          <a:fillRef idx="0">
+            <a:schemeClr val="accent1"/>
+          </a:fillRef>
+          <a:effectRef idx="1">
+            <a:schemeClr val="accent1"/>
+          </a:effectRef>
+          <a:fontRef idx="minor">
+            <a:schemeClr val="tx1"/>
+          </a:fontRef>
+        </p:style>
+      </p:cxnSp>
+      <p:sp>
+        <p:nvSpPr>
+          <p:cNvPr id="4" name="Rechteck 3">
+            <a:extLst>
+              <a:ext uri="{FF2B5EF4-FFF2-40B4-BE49-F238E27FC236}">
+                <a16:creationId xmlns:a16="http://schemas.microsoft.com/office/drawing/2014/main" id="{89095407-A590-A269-5511-8DB6669C3D47}"/>
+              </a:ext>
+            </a:extLst>
+          </p:cNvPr>
+          <p:cNvSpPr/>
+          <p:nvPr/>
+        </p:nvSpPr>
+        <p:spPr>
+          <a:xfrm>
+            <a:off x="288981" y="864442"/>
+            <a:ext cx="1964344" cy="1488370"/>
+          </a:xfrm>
+          <a:prstGeom prst="rect">
+            <a:avLst/>
+          </a:prstGeom>
           <a:ln>
-            <a:tailEnd type="triangle"/>
+            <a:solidFill>
+              <a:schemeClr val="tx1"/>
+            </a:solidFill>
+          </a:ln>
+        </p:spPr>
+        <p:style>
+          <a:lnRef idx="2">
+            <a:schemeClr val="accent1"/>
+          </a:lnRef>
+          <a:fillRef idx="1">
+            <a:schemeClr val="lt1"/>
+          </a:fillRef>
+          <a:effectRef idx="0">
+            <a:schemeClr val="accent1"/>
+          </a:effectRef>
+          <a:fontRef idx="minor">
+            <a:schemeClr val="dk1"/>
+          </a:fontRef>
+        </p:style>
+        <p:txBody>
+          <a:bodyPr rtlCol="0" anchor="ctr"/>
+          <a:lstStyle/>
+          <a:p>
+            <a:pPr algn="ctr"/>
+            <a:r>
+              <a:rPr lang="de-DE" dirty="0">
+                <a:latin typeface="Calibri" panose="020F0502020204030204" pitchFamily="34" charset="0"/>
+                <a:ea typeface="Calibri" panose="020F0502020204030204" pitchFamily="34" charset="0"/>
+                <a:cs typeface="Calibri" panose="020F0502020204030204" pitchFamily="34" charset="0"/>
+              </a:rPr>
+              <a:t>Input (Temperaturdaten Deutschland 1996-2021)</a:t>
+            </a:r>
+          </a:p>
+        </p:txBody>
+      </p:sp>
+      <p:cxnSp>
+        <p:nvCxnSpPr>
+          <p:cNvPr id="6" name="Gerade Verbindung mit Pfeil 5">
+            <a:extLst>
+              <a:ext uri="{FF2B5EF4-FFF2-40B4-BE49-F238E27FC236}">
+                <a16:creationId xmlns:a16="http://schemas.microsoft.com/office/drawing/2014/main" id="{E27E60BB-77A0-F09A-C105-344EE85CFCBE}"/>
+              </a:ext>
+            </a:extLst>
+          </p:cNvPr>
+          <p:cNvCxnSpPr>
+            <a:cxnSpLocks/>
+            <a:stCxn id="4" idx="3"/>
+            <a:endCxn id="12" idx="1"/>
+          </p:cNvCxnSpPr>
+          <p:nvPr/>
+        </p:nvCxnSpPr>
+        <p:spPr>
+          <a:xfrm>
+            <a:off x="2253325" y="1608627"/>
+            <a:ext cx="1098915" cy="0"/>
+          </a:xfrm>
+          <a:prstGeom prst="straightConnector1">
+            <a:avLst/>
+          </a:prstGeom>
+          <a:ln w="25400" cap="flat" cmpd="sng" algn="ctr">
+            <a:solidFill>
+              <a:schemeClr val="tx1"/>
+            </a:solidFill>
+            <a:prstDash val="solid"/>
+            <a:round/>
+            <a:headEnd type="none" w="med" len="med"/>
+            <a:tailEnd type="arrow" w="med" len="med"/>
+          </a:ln>
+        </p:spPr>
+        <p:style>
+          <a:lnRef idx="0">
+            <a:scrgbClr r="0" g="0" b="0"/>
+          </a:lnRef>
+          <a:fillRef idx="0">
+            <a:scrgbClr r="0" g="0" b="0"/>
+          </a:fillRef>
+          <a:effectRef idx="0">
+            <a:scrgbClr r="0" g="0" b="0"/>
+          </a:effectRef>
+          <a:fontRef idx="minor">
+            <a:schemeClr val="tx1"/>
+          </a:fontRef>
+        </p:style>
+      </p:cxnSp>
+      <p:cxnSp>
+        <p:nvCxnSpPr>
+          <p:cNvPr id="9" name="Gerade Verbindung mit Pfeil 8">
+            <a:extLst>
+              <a:ext uri="{FF2B5EF4-FFF2-40B4-BE49-F238E27FC236}">
+                <a16:creationId xmlns:a16="http://schemas.microsoft.com/office/drawing/2014/main" id="{949B12B4-C0F6-502B-3A26-F65735574909}"/>
+              </a:ext>
+            </a:extLst>
+          </p:cNvPr>
+          <p:cNvCxnSpPr>
+            <a:cxnSpLocks/>
+            <a:stCxn id="4" idx="3"/>
+            <a:endCxn id="20" idx="1"/>
+          </p:cNvCxnSpPr>
+          <p:nvPr/>
+        </p:nvCxnSpPr>
+        <p:spPr>
+          <a:xfrm>
+            <a:off x="2253325" y="1608627"/>
+            <a:ext cx="1098915" cy="2420373"/>
+          </a:xfrm>
+          <a:prstGeom prst="straightConnector1">
+            <a:avLst/>
+          </a:prstGeom>
+          <a:ln w="25400" cap="flat" cmpd="sng" algn="ctr">
+            <a:solidFill>
+              <a:schemeClr val="tx1"/>
+            </a:solidFill>
+            <a:prstDash val="solid"/>
+            <a:round/>
+            <a:headEnd type="none" w="med" len="med"/>
+            <a:tailEnd type="arrow" w="med" len="med"/>
+          </a:ln>
+        </p:spPr>
+        <p:style>
+          <a:lnRef idx="0">
+            <a:scrgbClr r="0" g="0" b="0"/>
+          </a:lnRef>
+          <a:fillRef idx="0">
+            <a:scrgbClr r="0" g="0" b="0"/>
+          </a:fillRef>
+          <a:effectRef idx="0">
+            <a:scrgbClr r="0" g="0" b="0"/>
+          </a:effectRef>
+          <a:fontRef idx="minor">
+            <a:schemeClr val="tx1"/>
+          </a:fontRef>
+        </p:style>
+      </p:cxnSp>
+      <p:cxnSp>
+        <p:nvCxnSpPr>
+          <p:cNvPr id="15" name="Gerade Verbindung mit Pfeil 14">
+            <a:extLst>
+              <a:ext uri="{FF2B5EF4-FFF2-40B4-BE49-F238E27FC236}">
+                <a16:creationId xmlns:a16="http://schemas.microsoft.com/office/drawing/2014/main" id="{9B2DC451-CE97-DAB4-4744-5366C7DA042B}"/>
+              </a:ext>
+            </a:extLst>
+          </p:cNvPr>
+          <p:cNvCxnSpPr>
+            <a:cxnSpLocks/>
+            <a:stCxn id="4" idx="3"/>
+            <a:endCxn id="21" idx="1"/>
+          </p:cNvCxnSpPr>
+          <p:nvPr/>
+        </p:nvCxnSpPr>
+        <p:spPr>
+          <a:xfrm>
+            <a:off x="2253325" y="1608627"/>
+            <a:ext cx="1098915" cy="4401757"/>
+          </a:xfrm>
+          <a:prstGeom prst="straightConnector1">
+            <a:avLst/>
+          </a:prstGeom>
+          <a:ln w="25400" cap="flat" cmpd="sng" algn="ctr">
+            <a:solidFill>
+              <a:schemeClr val="tx1"/>
+            </a:solidFill>
+            <a:prstDash val="solid"/>
+            <a:round/>
+            <a:headEnd type="none" w="med" len="med"/>
+            <a:tailEnd type="arrow" w="med" len="med"/>
+          </a:ln>
+        </p:spPr>
+        <p:style>
+          <a:lnRef idx="0">
+            <a:scrgbClr r="0" g="0" b="0"/>
+          </a:lnRef>
+          <a:fillRef idx="0">
+            <a:scrgbClr r="0" g="0" b="0"/>
+          </a:fillRef>
+          <a:effectRef idx="0">
+            <a:scrgbClr r="0" g="0" b="0"/>
+          </a:effectRef>
+          <a:fontRef idx="minor">
+            <a:schemeClr val="tx1"/>
+          </a:fontRef>
+        </p:style>
+      </p:cxnSp>
+      <p:sp>
+        <p:nvSpPr>
+          <p:cNvPr id="39" name="Textfeld 38">
+            <a:extLst>
+              <a:ext uri="{FF2B5EF4-FFF2-40B4-BE49-F238E27FC236}">
+                <a16:creationId xmlns:a16="http://schemas.microsoft.com/office/drawing/2014/main" id="{A43DD09E-5542-41ED-12BB-268B0D4169F3}"/>
+              </a:ext>
+            </a:extLst>
+          </p:cNvPr>
+          <p:cNvSpPr txBox="1"/>
+          <p:nvPr/>
+        </p:nvSpPr>
+        <p:spPr>
+          <a:xfrm>
+            <a:off x="21728" y="4694006"/>
+            <a:ext cx="2778509" cy="646331"/>
+          </a:xfrm>
+          <a:prstGeom prst="rect">
+            <a:avLst/>
+          </a:prstGeom>
+          <a:noFill/>
+        </p:spPr>
+        <p:txBody>
+          <a:bodyPr wrap="square" rtlCol="0">
+            <a:spAutoFit/>
+          </a:bodyPr>
+          <a:lstStyle/>
+          <a:p>
+            <a:r>
+              <a:rPr lang="de-DE" dirty="0">
+                <a:latin typeface="Calibri" panose="020F0502020204030204" pitchFamily="34" charset="0"/>
+                <a:ea typeface="Calibri" panose="020F0502020204030204" pitchFamily="34" charset="0"/>
+                <a:cs typeface="Calibri" panose="020F0502020204030204" pitchFamily="34" charset="0"/>
+              </a:rPr>
+              <a:t>Horizontale Skalierung der Komponenten möglich…</a:t>
+            </a:r>
+          </a:p>
+        </p:txBody>
+      </p:sp>
+      <p:cxnSp>
+        <p:nvCxnSpPr>
+          <p:cNvPr id="128" name="Gerader Verbinder 127">
+            <a:extLst>
+              <a:ext uri="{FF2B5EF4-FFF2-40B4-BE49-F238E27FC236}">
+                <a16:creationId xmlns:a16="http://schemas.microsoft.com/office/drawing/2014/main" id="{4703D47D-EDE8-1AC9-1E30-A1B7AD02F888}"/>
+              </a:ext>
+            </a:extLst>
+          </p:cNvPr>
+          <p:cNvCxnSpPr>
+            <a:cxnSpLocks/>
+          </p:cNvCxnSpPr>
+          <p:nvPr/>
+        </p:nvCxnSpPr>
+        <p:spPr>
+          <a:xfrm>
+            <a:off x="2802782" y="2514600"/>
+            <a:ext cx="8313656" cy="0"/>
+          </a:xfrm>
+          <a:prstGeom prst="line">
+            <a:avLst/>
+          </a:prstGeom>
+          <a:ln w="41275">
+            <a:solidFill>
+              <a:schemeClr val="tx1"/>
+            </a:solidFill>
           </a:ln>
         </p:spPr>
         <p:style>

--- a/Phase 1/Flowchart Data Engineering.pptx
+++ b/Phase 1/Flowchart Data Engineering.pptx
@@ -4,6 +4,9 @@
   <p:sldMasterIdLst>
     <p:sldMasterId id="2147483648" r:id="rId1"/>
   </p:sldMasterIdLst>
+  <p:notesMasterIdLst>
+    <p:notesMasterId r:id="rId3"/>
+  </p:notesMasterIdLst>
   <p:sldIdLst>
     <p:sldId id="256" r:id="rId2"/>
   </p:sldIdLst>
@@ -110,6 +113,439 @@
     </p:ext>
   </p:extLst>
 </p:presentation>
+</file>
+
+<file path=ppt/notesMasters/notesMaster1.xml><?xml version="1.0" encoding="utf-8"?>
+<p:notesMaster xmlns:a="http://schemas.openxmlformats.org/drawingml/2006/main" xmlns:r="http://schemas.openxmlformats.org/officeDocument/2006/relationships" xmlns:p="http://schemas.openxmlformats.org/presentationml/2006/main">
+  <p:cSld>
+    <p:bg>
+      <p:bgRef idx="1001">
+        <a:schemeClr val="bg1"/>
+      </p:bgRef>
+    </p:bg>
+    <p:spTree>
+      <p:nvGrpSpPr>
+        <p:cNvPr id="1" name=""/>
+        <p:cNvGrpSpPr/>
+        <p:nvPr/>
+      </p:nvGrpSpPr>
+      <p:grpSpPr>
+        <a:xfrm>
+          <a:off x="0" y="0"/>
+          <a:ext cx="0" cy="0"/>
+          <a:chOff x="0" y="0"/>
+          <a:chExt cx="0" cy="0"/>
+        </a:xfrm>
+      </p:grpSpPr>
+      <p:sp>
+        <p:nvSpPr>
+          <p:cNvPr id="2" name="Kopfzeilenplatzhalter 1"/>
+          <p:cNvSpPr>
+            <a:spLocks noGrp="1"/>
+          </p:cNvSpPr>
+          <p:nvPr>
+            <p:ph type="hdr" sz="quarter"/>
+          </p:nvPr>
+        </p:nvSpPr>
+        <p:spPr>
+          <a:xfrm>
+            <a:off x="0" y="0"/>
+            <a:ext cx="2971800" cy="458788"/>
+          </a:xfrm>
+          <a:prstGeom prst="rect">
+            <a:avLst/>
+          </a:prstGeom>
+        </p:spPr>
+        <p:txBody>
+          <a:bodyPr vert="horz" lIns="91440" tIns="45720" rIns="91440" bIns="45720" rtlCol="0"/>
+          <a:lstStyle>
+            <a:lvl1pPr algn="l">
+              <a:defRPr sz="1200"/>
+            </a:lvl1pPr>
+          </a:lstStyle>
+          <a:p>
+            <a:endParaRPr lang="de-DE"/>
+          </a:p>
+        </p:txBody>
+      </p:sp>
+      <p:sp>
+        <p:nvSpPr>
+          <p:cNvPr id="3" name="Datumsplatzhalter 2"/>
+          <p:cNvSpPr>
+            <a:spLocks noGrp="1"/>
+          </p:cNvSpPr>
+          <p:nvPr>
+            <p:ph type="dt" idx="1"/>
+          </p:nvPr>
+        </p:nvSpPr>
+        <p:spPr>
+          <a:xfrm>
+            <a:off x="3884613" y="0"/>
+            <a:ext cx="2971800" cy="458788"/>
+          </a:xfrm>
+          <a:prstGeom prst="rect">
+            <a:avLst/>
+          </a:prstGeom>
+        </p:spPr>
+        <p:txBody>
+          <a:bodyPr vert="horz" lIns="91440" tIns="45720" rIns="91440" bIns="45720" rtlCol="0"/>
+          <a:lstStyle>
+            <a:lvl1pPr algn="r">
+              <a:defRPr sz="1200"/>
+            </a:lvl1pPr>
+          </a:lstStyle>
+          <a:p>
+            <a:fld id="{4064435B-DF43-417F-96B3-8B6EC46F3A4C}" type="datetimeFigureOut">
+              <a:rPr lang="de-DE" smtClean="0"/>
+              <a:t>22.07.2024</a:t>
+            </a:fld>
+            <a:endParaRPr lang="de-DE"/>
+          </a:p>
+        </p:txBody>
+      </p:sp>
+      <p:sp>
+        <p:nvSpPr>
+          <p:cNvPr id="4" name="Folienbildplatzhalter 3"/>
+          <p:cNvSpPr>
+            <a:spLocks noGrp="1" noRot="1" noChangeAspect="1"/>
+          </p:cNvSpPr>
+          <p:nvPr>
+            <p:ph type="sldImg" idx="2"/>
+          </p:nvPr>
+        </p:nvSpPr>
+        <p:spPr>
+          <a:xfrm>
+            <a:off x="685800" y="1143000"/>
+            <a:ext cx="5486400" cy="3086100"/>
+          </a:xfrm>
+          <a:prstGeom prst="rect">
+            <a:avLst/>
+          </a:prstGeom>
+          <a:noFill/>
+          <a:ln w="12700">
+            <a:solidFill>
+              <a:prstClr val="black"/>
+            </a:solidFill>
+          </a:ln>
+        </p:spPr>
+        <p:txBody>
+          <a:bodyPr vert="horz" lIns="91440" tIns="45720" rIns="91440" bIns="45720" rtlCol="0" anchor="ctr"/>
+          <a:lstStyle/>
+          <a:p>
+            <a:endParaRPr lang="de-DE"/>
+          </a:p>
+        </p:txBody>
+      </p:sp>
+      <p:sp>
+        <p:nvSpPr>
+          <p:cNvPr id="5" name="Notizenplatzhalter 4"/>
+          <p:cNvSpPr>
+            <a:spLocks noGrp="1"/>
+          </p:cNvSpPr>
+          <p:nvPr>
+            <p:ph type="body" sz="quarter" idx="3"/>
+          </p:nvPr>
+        </p:nvSpPr>
+        <p:spPr>
+          <a:xfrm>
+            <a:off x="685800" y="4400550"/>
+            <a:ext cx="5486400" cy="3600450"/>
+          </a:xfrm>
+          <a:prstGeom prst="rect">
+            <a:avLst/>
+          </a:prstGeom>
+        </p:spPr>
+        <p:txBody>
+          <a:bodyPr vert="horz" lIns="91440" tIns="45720" rIns="91440" bIns="45720" rtlCol="0"/>
+          <a:lstStyle/>
+          <a:p>
+            <a:pPr lvl="0"/>
+            <a:r>
+              <a:rPr lang="de-DE"/>
+              <a:t>Mastertextformat bearbeiten</a:t>
+            </a:r>
+          </a:p>
+          <a:p>
+            <a:pPr lvl="1"/>
+            <a:r>
+              <a:rPr lang="de-DE"/>
+              <a:t>Zweite Ebene</a:t>
+            </a:r>
+          </a:p>
+          <a:p>
+            <a:pPr lvl="2"/>
+            <a:r>
+              <a:rPr lang="de-DE"/>
+              <a:t>Dritte Ebene</a:t>
+            </a:r>
+          </a:p>
+          <a:p>
+            <a:pPr lvl="3"/>
+            <a:r>
+              <a:rPr lang="de-DE"/>
+              <a:t>Vierte Ebene</a:t>
+            </a:r>
+          </a:p>
+          <a:p>
+            <a:pPr lvl="4"/>
+            <a:r>
+              <a:rPr lang="de-DE"/>
+              <a:t>Fünfte Ebene</a:t>
+            </a:r>
+          </a:p>
+        </p:txBody>
+      </p:sp>
+      <p:sp>
+        <p:nvSpPr>
+          <p:cNvPr id="6" name="Fußzeilenplatzhalter 5"/>
+          <p:cNvSpPr>
+            <a:spLocks noGrp="1"/>
+          </p:cNvSpPr>
+          <p:nvPr>
+            <p:ph type="ftr" sz="quarter" idx="4"/>
+          </p:nvPr>
+        </p:nvSpPr>
+        <p:spPr>
+          <a:xfrm>
+            <a:off x="0" y="8685213"/>
+            <a:ext cx="2971800" cy="458787"/>
+          </a:xfrm>
+          <a:prstGeom prst="rect">
+            <a:avLst/>
+          </a:prstGeom>
+        </p:spPr>
+        <p:txBody>
+          <a:bodyPr vert="horz" lIns="91440" tIns="45720" rIns="91440" bIns="45720" rtlCol="0" anchor="b"/>
+          <a:lstStyle>
+            <a:lvl1pPr algn="l">
+              <a:defRPr sz="1200"/>
+            </a:lvl1pPr>
+          </a:lstStyle>
+          <a:p>
+            <a:endParaRPr lang="de-DE"/>
+          </a:p>
+        </p:txBody>
+      </p:sp>
+      <p:sp>
+        <p:nvSpPr>
+          <p:cNvPr id="7" name="Foliennummernplatzhalter 6"/>
+          <p:cNvSpPr>
+            <a:spLocks noGrp="1"/>
+          </p:cNvSpPr>
+          <p:nvPr>
+            <p:ph type="sldNum" sz="quarter" idx="5"/>
+          </p:nvPr>
+        </p:nvSpPr>
+        <p:spPr>
+          <a:xfrm>
+            <a:off x="3884613" y="8685213"/>
+            <a:ext cx="2971800" cy="458787"/>
+          </a:xfrm>
+          <a:prstGeom prst="rect">
+            <a:avLst/>
+          </a:prstGeom>
+        </p:spPr>
+        <p:txBody>
+          <a:bodyPr vert="horz" lIns="91440" tIns="45720" rIns="91440" bIns="45720" rtlCol="0" anchor="b"/>
+          <a:lstStyle>
+            <a:lvl1pPr algn="r">
+              <a:defRPr sz="1200"/>
+            </a:lvl1pPr>
+          </a:lstStyle>
+          <a:p>
+            <a:fld id="{D0ABC70B-B674-4ECC-841D-FE651536D3AD}" type="slidenum">
+              <a:rPr lang="de-DE" smtClean="0"/>
+              <a:t>‹Nr.›</a:t>
+            </a:fld>
+            <a:endParaRPr lang="de-DE"/>
+          </a:p>
+        </p:txBody>
+      </p:sp>
+    </p:spTree>
+    <p:extLst>
+      <p:ext uri="{BB962C8B-B14F-4D97-AF65-F5344CB8AC3E}">
+        <p14:creationId xmlns:p14="http://schemas.microsoft.com/office/powerpoint/2010/main" val="1802925846"/>
+      </p:ext>
+    </p:extLst>
+  </p:cSld>
+  <p:clrMap bg1="lt1" tx1="dk1" bg2="lt2" tx2="dk2" accent1="accent1" accent2="accent2" accent3="accent3" accent4="accent4" accent5="accent5" accent6="accent6" hlink="hlink" folHlink="folHlink"/>
+  <p:notesStyle>
+    <a:lvl1pPr marL="0" algn="l" defTabSz="914400" rtl="0" eaLnBrk="1" latinLnBrk="0" hangingPunct="1">
+      <a:defRPr sz="1200" kern="1200">
+        <a:solidFill>
+          <a:schemeClr val="tx1"/>
+        </a:solidFill>
+        <a:latin typeface="+mn-lt"/>
+        <a:ea typeface="+mn-ea"/>
+        <a:cs typeface="+mn-cs"/>
+      </a:defRPr>
+    </a:lvl1pPr>
+    <a:lvl2pPr marL="457200" algn="l" defTabSz="914400" rtl="0" eaLnBrk="1" latinLnBrk="0" hangingPunct="1">
+      <a:defRPr sz="1200" kern="1200">
+        <a:solidFill>
+          <a:schemeClr val="tx1"/>
+        </a:solidFill>
+        <a:latin typeface="+mn-lt"/>
+        <a:ea typeface="+mn-ea"/>
+        <a:cs typeface="+mn-cs"/>
+      </a:defRPr>
+    </a:lvl2pPr>
+    <a:lvl3pPr marL="914400" algn="l" defTabSz="914400" rtl="0" eaLnBrk="1" latinLnBrk="0" hangingPunct="1">
+      <a:defRPr sz="1200" kern="1200">
+        <a:solidFill>
+          <a:schemeClr val="tx1"/>
+        </a:solidFill>
+        <a:latin typeface="+mn-lt"/>
+        <a:ea typeface="+mn-ea"/>
+        <a:cs typeface="+mn-cs"/>
+      </a:defRPr>
+    </a:lvl3pPr>
+    <a:lvl4pPr marL="1371600" algn="l" defTabSz="914400" rtl="0" eaLnBrk="1" latinLnBrk="0" hangingPunct="1">
+      <a:defRPr sz="1200" kern="1200">
+        <a:solidFill>
+          <a:schemeClr val="tx1"/>
+        </a:solidFill>
+        <a:latin typeface="+mn-lt"/>
+        <a:ea typeface="+mn-ea"/>
+        <a:cs typeface="+mn-cs"/>
+      </a:defRPr>
+    </a:lvl4pPr>
+    <a:lvl5pPr marL="1828800" algn="l" defTabSz="914400" rtl="0" eaLnBrk="1" latinLnBrk="0" hangingPunct="1">
+      <a:defRPr sz="1200" kern="1200">
+        <a:solidFill>
+          <a:schemeClr val="tx1"/>
+        </a:solidFill>
+        <a:latin typeface="+mn-lt"/>
+        <a:ea typeface="+mn-ea"/>
+        <a:cs typeface="+mn-cs"/>
+      </a:defRPr>
+    </a:lvl5pPr>
+    <a:lvl6pPr marL="2286000" algn="l" defTabSz="914400" rtl="0" eaLnBrk="1" latinLnBrk="0" hangingPunct="1">
+      <a:defRPr sz="1200" kern="1200">
+        <a:solidFill>
+          <a:schemeClr val="tx1"/>
+        </a:solidFill>
+        <a:latin typeface="+mn-lt"/>
+        <a:ea typeface="+mn-ea"/>
+        <a:cs typeface="+mn-cs"/>
+      </a:defRPr>
+    </a:lvl6pPr>
+    <a:lvl7pPr marL="2743200" algn="l" defTabSz="914400" rtl="0" eaLnBrk="1" latinLnBrk="0" hangingPunct="1">
+      <a:defRPr sz="1200" kern="1200">
+        <a:solidFill>
+          <a:schemeClr val="tx1"/>
+        </a:solidFill>
+        <a:latin typeface="+mn-lt"/>
+        <a:ea typeface="+mn-ea"/>
+        <a:cs typeface="+mn-cs"/>
+      </a:defRPr>
+    </a:lvl7pPr>
+    <a:lvl8pPr marL="3200400" algn="l" defTabSz="914400" rtl="0" eaLnBrk="1" latinLnBrk="0" hangingPunct="1">
+      <a:defRPr sz="1200" kern="1200">
+        <a:solidFill>
+          <a:schemeClr val="tx1"/>
+        </a:solidFill>
+        <a:latin typeface="+mn-lt"/>
+        <a:ea typeface="+mn-ea"/>
+        <a:cs typeface="+mn-cs"/>
+      </a:defRPr>
+    </a:lvl8pPr>
+    <a:lvl9pPr marL="3657600" algn="l" defTabSz="914400" rtl="0" eaLnBrk="1" latinLnBrk="0" hangingPunct="1">
+      <a:defRPr sz="1200" kern="1200">
+        <a:solidFill>
+          <a:schemeClr val="tx1"/>
+        </a:solidFill>
+        <a:latin typeface="+mn-lt"/>
+        <a:ea typeface="+mn-ea"/>
+        <a:cs typeface="+mn-cs"/>
+      </a:defRPr>
+    </a:lvl9pPr>
+  </p:notesStyle>
+</p:notesMaster>
+</file>
+
+<file path=ppt/notesSlides/notesSlide1.xml><?xml version="1.0" encoding="utf-8"?>
+<p:notes xmlns:a="http://schemas.openxmlformats.org/drawingml/2006/main" xmlns:r="http://schemas.openxmlformats.org/officeDocument/2006/relationships" xmlns:p="http://schemas.openxmlformats.org/presentationml/2006/main">
+  <p:cSld>
+    <p:spTree>
+      <p:nvGrpSpPr>
+        <p:cNvPr id="1" name=""/>
+        <p:cNvGrpSpPr/>
+        <p:nvPr/>
+      </p:nvGrpSpPr>
+      <p:grpSpPr>
+        <a:xfrm>
+          <a:off x="0" y="0"/>
+          <a:ext cx="0" cy="0"/>
+          <a:chOff x="0" y="0"/>
+          <a:chExt cx="0" cy="0"/>
+        </a:xfrm>
+      </p:grpSpPr>
+      <p:sp>
+        <p:nvSpPr>
+          <p:cNvPr id="2" name="Folienbildplatzhalter 1"/>
+          <p:cNvSpPr>
+            <a:spLocks noGrp="1" noRot="1" noChangeAspect="1"/>
+          </p:cNvSpPr>
+          <p:nvPr>
+            <p:ph type="sldImg"/>
+          </p:nvPr>
+        </p:nvSpPr>
+        <p:spPr/>
+      </p:sp>
+      <p:sp>
+        <p:nvSpPr>
+          <p:cNvPr id="3" name="Notizenplatzhalter 2"/>
+          <p:cNvSpPr>
+            <a:spLocks noGrp="1"/>
+          </p:cNvSpPr>
+          <p:nvPr>
+            <p:ph type="body" idx="1"/>
+          </p:nvPr>
+        </p:nvSpPr>
+        <p:spPr/>
+        <p:txBody>
+          <a:bodyPr/>
+          <a:lstStyle/>
+          <a:p>
+            <a:endParaRPr lang="de-DE" dirty="0"/>
+          </a:p>
+        </p:txBody>
+      </p:sp>
+      <p:sp>
+        <p:nvSpPr>
+          <p:cNvPr id="4" name="Foliennummernplatzhalter 3"/>
+          <p:cNvSpPr>
+            <a:spLocks noGrp="1"/>
+          </p:cNvSpPr>
+          <p:nvPr>
+            <p:ph type="sldNum" sz="quarter" idx="5"/>
+          </p:nvPr>
+        </p:nvSpPr>
+        <p:spPr/>
+        <p:txBody>
+          <a:bodyPr/>
+          <a:lstStyle/>
+          <a:p>
+            <a:fld id="{D0ABC70B-B674-4ECC-841D-FE651536D3AD}" type="slidenum">
+              <a:rPr lang="de-DE" smtClean="0"/>
+              <a:t>1</a:t>
+            </a:fld>
+            <a:endParaRPr lang="de-DE"/>
+          </a:p>
+        </p:txBody>
+      </p:sp>
+    </p:spTree>
+    <p:extLst>
+      <p:ext uri="{BB962C8B-B14F-4D97-AF65-F5344CB8AC3E}">
+        <p14:creationId xmlns:p14="http://schemas.microsoft.com/office/powerpoint/2010/main" val="3792913904"/>
+      </p:ext>
+    </p:extLst>
+  </p:cSld>
+  <p:clrMapOvr>
+    <a:masterClrMapping/>
+  </p:clrMapOvr>
+</p:notes>
 </file>
 
 <file path=ppt/slideLayouts/slideLayout1.xml><?xml version="1.0" encoding="utf-8"?>
@@ -3340,25 +3776,54 @@
         </p:nvSpPr>
         <p:spPr>
           <a:xfrm>
-            <a:off x="5579947" y="250860"/>
-            <a:ext cx="2768600" cy="6572250"/>
+            <a:off x="4909979" y="250860"/>
+            <a:ext cx="3433932" cy="6572250"/>
           </a:xfrm>
           <a:prstGeom prst="rect">
             <a:avLst/>
           </a:prstGeom>
+          <a:gradFill flip="none" rotWithShape="1">
+            <a:gsLst>
+              <a:gs pos="0">
+                <a:schemeClr val="accent4">
+                  <a:lumMod val="67000"/>
+                </a:schemeClr>
+              </a:gs>
+              <a:gs pos="48000">
+                <a:schemeClr val="accent4">
+                  <a:lumMod val="97000"/>
+                  <a:lumOff val="3000"/>
+                </a:schemeClr>
+              </a:gs>
+              <a:gs pos="100000">
+                <a:schemeClr val="accent4">
+                  <a:lumMod val="60000"/>
+                  <a:lumOff val="40000"/>
+                </a:schemeClr>
+              </a:gs>
+            </a:gsLst>
+            <a:lin ang="16200000" scaled="1"/>
+            <a:tileRect/>
+          </a:gradFill>
+          <a:ln w="15875">
+            <a:solidFill>
+              <a:schemeClr val="tx1"/>
+            </a:solidFill>
+            <a:prstDash val="sysDot"/>
+          </a:ln>
         </p:spPr>
         <p:style>
-          <a:lnRef idx="1">
-            <a:schemeClr val="accent1"/>
+          <a:lnRef idx="0">
+            <a:scrgbClr r="0" g="0" b="0"/>
           </a:lnRef>
-          <a:fillRef idx="2">
-            <a:schemeClr val="accent1"/>
+          <a:fillRef idx="0">
+            <a:scrgbClr r="0" g="0" b="0"/>
           </a:fillRef>
-          <a:effectRef idx="1">
-            <a:schemeClr val="accent1"/>
+          <a:effectRef idx="0">
+            <a:scrgbClr r="0" g="0" b="0"/>
           </a:effectRef>
           <a:fontRef idx="minor">
-            <a:schemeClr val="dk1"/>
+            <a:schemeClr val="lt1"/>
           </a:fontRef>
         </p:style>
         <p:txBody>
@@ -3388,7 +3853,7 @@
         </p:nvSpPr>
         <p:spPr>
           <a:xfrm>
-            <a:off x="5744615" y="348826"/>
+            <a:off x="5273814" y="340967"/>
             <a:ext cx="2594008" cy="369332"/>
           </a:xfrm>
           <a:prstGeom prst="rect">
@@ -3427,25 +3892,715 @@
         </p:nvSpPr>
         <p:spPr>
           <a:xfrm>
-            <a:off x="2810993" y="250860"/>
-            <a:ext cx="2768600" cy="6572250"/>
+            <a:off x="1675446" y="250860"/>
+            <a:ext cx="3250515" cy="6572250"/>
           </a:xfrm>
           <a:prstGeom prst="rect">
             <a:avLst/>
           </a:prstGeom>
+          <a:gradFill flip="none" rotWithShape="1">
+            <a:gsLst>
+              <a:gs pos="0">
+                <a:schemeClr val="accent4">
+                  <a:lumMod val="67000"/>
+                </a:schemeClr>
+              </a:gs>
+              <a:gs pos="48000">
+                <a:schemeClr val="accent4">
+                  <a:lumMod val="97000"/>
+                  <a:lumOff val="3000"/>
+                </a:schemeClr>
+              </a:gs>
+              <a:gs pos="100000">
+                <a:schemeClr val="accent4">
+                  <a:lumMod val="60000"/>
+                  <a:lumOff val="40000"/>
+                </a:schemeClr>
+              </a:gs>
+            </a:gsLst>
+            <a:lin ang="16200000" scaled="1"/>
+            <a:tileRect/>
+          </a:gradFill>
+          <a:ln w="15875">
+            <a:solidFill>
+              <a:schemeClr val="tx1"/>
+            </a:solidFill>
+            <a:prstDash val="sysDot"/>
+            <a:extLst>
+              <a:ext uri="{C807C97D-BFC1-408E-A445-0C87EB9F89A2}">
+                <ask:lineSketchStyleProps xmlns:ask="http://schemas.microsoft.com/office/drawing/2018/sketchyshapes" sd="1219033472">
+                  <a:custGeom>
+                    <a:avLst/>
+                    <a:gdLst>
+                      <a:gd name="connsiteX0" fmla="*/ 0 w 3359751"/>
+                      <a:gd name="connsiteY0" fmla="*/ 0 h 6572250"/>
+                      <a:gd name="connsiteX1" fmla="*/ 526361 w 3359751"/>
+                      <a:gd name="connsiteY1" fmla="*/ 0 h 6572250"/>
+                      <a:gd name="connsiteX2" fmla="*/ 1119917 w 3359751"/>
+                      <a:gd name="connsiteY2" fmla="*/ 0 h 6572250"/>
+                      <a:gd name="connsiteX3" fmla="*/ 1612680 w 3359751"/>
+                      <a:gd name="connsiteY3" fmla="*/ 0 h 6572250"/>
+                      <a:gd name="connsiteX4" fmla="*/ 2172639 w 3359751"/>
+                      <a:gd name="connsiteY4" fmla="*/ 0 h 6572250"/>
+                      <a:gd name="connsiteX5" fmla="*/ 2766195 w 3359751"/>
+                      <a:gd name="connsiteY5" fmla="*/ 0 h 6572250"/>
+                      <a:gd name="connsiteX6" fmla="*/ 3359751 w 3359751"/>
+                      <a:gd name="connsiteY6" fmla="*/ 0 h 6572250"/>
+                      <a:gd name="connsiteX7" fmla="*/ 3359751 w 3359751"/>
+                      <a:gd name="connsiteY7" fmla="*/ 400310 h 6572250"/>
+                      <a:gd name="connsiteX8" fmla="*/ 3359751 w 3359751"/>
+                      <a:gd name="connsiteY8" fmla="*/ 997787 h 6572250"/>
+                      <a:gd name="connsiteX9" fmla="*/ 3359751 w 3359751"/>
+                      <a:gd name="connsiteY9" fmla="*/ 1726709 h 6572250"/>
+                      <a:gd name="connsiteX10" fmla="*/ 3359751 w 3359751"/>
+                      <a:gd name="connsiteY10" fmla="*/ 2389909 h 6572250"/>
+                      <a:gd name="connsiteX11" fmla="*/ 3359751 w 3359751"/>
+                      <a:gd name="connsiteY11" fmla="*/ 2921664 h 6572250"/>
+                      <a:gd name="connsiteX12" fmla="*/ 3359751 w 3359751"/>
+                      <a:gd name="connsiteY12" fmla="*/ 3584864 h 6572250"/>
+                      <a:gd name="connsiteX13" fmla="*/ 3359751 w 3359751"/>
+                      <a:gd name="connsiteY13" fmla="*/ 4050896 h 6572250"/>
+                      <a:gd name="connsiteX14" fmla="*/ 3359751 w 3359751"/>
+                      <a:gd name="connsiteY14" fmla="*/ 4648373 h 6572250"/>
+                      <a:gd name="connsiteX15" fmla="*/ 3359751 w 3359751"/>
+                      <a:gd name="connsiteY15" fmla="*/ 5048683 h 6572250"/>
+                      <a:gd name="connsiteX16" fmla="*/ 3359751 w 3359751"/>
+                      <a:gd name="connsiteY16" fmla="*/ 5777605 h 6572250"/>
+                      <a:gd name="connsiteX17" fmla="*/ 3359751 w 3359751"/>
+                      <a:gd name="connsiteY17" fmla="*/ 6572250 h 6572250"/>
+                      <a:gd name="connsiteX18" fmla="*/ 2732597 w 3359751"/>
+                      <a:gd name="connsiteY18" fmla="*/ 6572250 h 6572250"/>
+                      <a:gd name="connsiteX19" fmla="*/ 2139041 w 3359751"/>
+                      <a:gd name="connsiteY19" fmla="*/ 6572250 h 6572250"/>
+                      <a:gd name="connsiteX20" fmla="*/ 1646278 w 3359751"/>
+                      <a:gd name="connsiteY20" fmla="*/ 6572250 h 6572250"/>
+                      <a:gd name="connsiteX21" fmla="*/ 1019124 w 3359751"/>
+                      <a:gd name="connsiteY21" fmla="*/ 6572250 h 6572250"/>
+                      <a:gd name="connsiteX22" fmla="*/ 0 w 3359751"/>
+                      <a:gd name="connsiteY22" fmla="*/ 6572250 h 6572250"/>
+                      <a:gd name="connsiteX23" fmla="*/ 0 w 3359751"/>
+                      <a:gd name="connsiteY23" fmla="*/ 6171940 h 6572250"/>
+                      <a:gd name="connsiteX24" fmla="*/ 0 w 3359751"/>
+                      <a:gd name="connsiteY24" fmla="*/ 5508740 h 6572250"/>
+                      <a:gd name="connsiteX25" fmla="*/ 0 w 3359751"/>
+                      <a:gd name="connsiteY25" fmla="*/ 5108431 h 6572250"/>
+                      <a:gd name="connsiteX26" fmla="*/ 0 w 3359751"/>
+                      <a:gd name="connsiteY26" fmla="*/ 4510953 h 6572250"/>
+                      <a:gd name="connsiteX27" fmla="*/ 0 w 3359751"/>
+                      <a:gd name="connsiteY27" fmla="*/ 3782031 h 6572250"/>
+                      <a:gd name="connsiteX28" fmla="*/ 0 w 3359751"/>
+                      <a:gd name="connsiteY28" fmla="*/ 3053109 h 6572250"/>
+                      <a:gd name="connsiteX29" fmla="*/ 0 w 3359751"/>
+                      <a:gd name="connsiteY29" fmla="*/ 2389909 h 6572250"/>
+                      <a:gd name="connsiteX30" fmla="*/ 0 w 3359751"/>
+                      <a:gd name="connsiteY30" fmla="*/ 1858154 h 6572250"/>
+                      <a:gd name="connsiteX31" fmla="*/ 0 w 3359751"/>
+                      <a:gd name="connsiteY31" fmla="*/ 1457845 h 6572250"/>
+                      <a:gd name="connsiteX32" fmla="*/ 0 w 3359751"/>
+                      <a:gd name="connsiteY32" fmla="*/ 926090 h 6572250"/>
+                      <a:gd name="connsiteX33" fmla="*/ 0 w 3359751"/>
+                      <a:gd name="connsiteY33" fmla="*/ 0 h 6572250"/>
+                    </a:gdLst>
+                    <a:ahLst/>
+                    <a:cxnLst>
+                      <a:cxn ang="0">
+                        <a:pos x="connsiteX0" y="connsiteY0"/>
+                      </a:cxn>
+                      <a:cxn ang="0">
+                        <a:pos x="connsiteX1" y="connsiteY1"/>
+                      </a:cxn>
+                      <a:cxn ang="0">
+                        <a:pos x="connsiteX2" y="connsiteY2"/>
+                      </a:cxn>
+                      <a:cxn ang="0">
+                        <a:pos x="connsiteX3" y="connsiteY3"/>
+                      </a:cxn>
+                      <a:cxn ang="0">
+                        <a:pos x="connsiteX4" y="connsiteY4"/>
+                      </a:cxn>
+                      <a:cxn ang="0">
+                        <a:pos x="connsiteX5" y="connsiteY5"/>
+                      </a:cxn>
+                      <a:cxn ang="0">
+                        <a:pos x="connsiteX6" y="connsiteY6"/>
+                      </a:cxn>
+                      <a:cxn ang="0">
+                        <a:pos x="connsiteX7" y="connsiteY7"/>
+                      </a:cxn>
+                      <a:cxn ang="0">
+                        <a:pos x="connsiteX8" y="connsiteY8"/>
+                      </a:cxn>
+                      <a:cxn ang="0">
+                        <a:pos x="connsiteX9" y="connsiteY9"/>
+                      </a:cxn>
+                      <a:cxn ang="0">
+                        <a:pos x="connsiteX10" y="connsiteY10"/>
+                      </a:cxn>
+                      <a:cxn ang="0">
+                        <a:pos x="connsiteX11" y="connsiteY11"/>
+                      </a:cxn>
+                      <a:cxn ang="0">
+                        <a:pos x="connsiteX12" y="connsiteY12"/>
+                      </a:cxn>
+                      <a:cxn ang="0">
+                        <a:pos x="connsiteX13" y="connsiteY13"/>
+                      </a:cxn>
+                      <a:cxn ang="0">
+                        <a:pos x="connsiteX14" y="connsiteY14"/>
+                      </a:cxn>
+                      <a:cxn ang="0">
+                        <a:pos x="connsiteX15" y="connsiteY15"/>
+                      </a:cxn>
+                      <a:cxn ang="0">
+                        <a:pos x="connsiteX16" y="connsiteY16"/>
+                      </a:cxn>
+                      <a:cxn ang="0">
+                        <a:pos x="connsiteX17" y="connsiteY17"/>
+                      </a:cxn>
+                      <a:cxn ang="0">
+                        <a:pos x="connsiteX18" y="connsiteY18"/>
+                      </a:cxn>
+                      <a:cxn ang="0">
+                        <a:pos x="connsiteX19" y="connsiteY19"/>
+                      </a:cxn>
+                      <a:cxn ang="0">
+                        <a:pos x="connsiteX20" y="connsiteY20"/>
+                      </a:cxn>
+                      <a:cxn ang="0">
+                        <a:pos x="connsiteX21" y="connsiteY21"/>
+                      </a:cxn>
+                      <a:cxn ang="0">
+                        <a:pos x="connsiteX22" y="connsiteY22"/>
+                      </a:cxn>
+                      <a:cxn ang="0">
+                        <a:pos x="connsiteX23" y="connsiteY23"/>
+                      </a:cxn>
+                      <a:cxn ang="0">
+                        <a:pos x="connsiteX24" y="connsiteY24"/>
+                      </a:cxn>
+                      <a:cxn ang="0">
+                        <a:pos x="connsiteX25" y="connsiteY25"/>
+                      </a:cxn>
+                      <a:cxn ang="0">
+                        <a:pos x="connsiteX26" y="connsiteY26"/>
+                      </a:cxn>
+                      <a:cxn ang="0">
+                        <a:pos x="connsiteX27" y="connsiteY27"/>
+                      </a:cxn>
+                      <a:cxn ang="0">
+                        <a:pos x="connsiteX28" y="connsiteY28"/>
+                      </a:cxn>
+                      <a:cxn ang="0">
+                        <a:pos x="connsiteX29" y="connsiteY29"/>
+                      </a:cxn>
+                      <a:cxn ang="0">
+                        <a:pos x="connsiteX30" y="connsiteY30"/>
+                      </a:cxn>
+                      <a:cxn ang="0">
+                        <a:pos x="connsiteX31" y="connsiteY31"/>
+                      </a:cxn>
+                      <a:cxn ang="0">
+                        <a:pos x="connsiteX32" y="connsiteY32"/>
+                      </a:cxn>
+                      <a:cxn ang="0">
+                        <a:pos x="connsiteX33" y="connsiteY33"/>
+                      </a:cxn>
+                    </a:cxnLst>
+                    <a:rect l="l" t="t" r="r" b="b"/>
+                    <a:pathLst>
+                      <a:path w="3359751" h="6572250" fill="none" extrusionOk="0">
+                        <a:moveTo>
+                          <a:pt x="0" y="0"/>
+                        </a:moveTo>
+                        <a:cubicBezTo>
+                          <a:pt x="229128" y="-27339"/>
+                          <a:pt x="349131" y="2893"/>
+                          <a:pt x="526361" y="0"/>
+                        </a:cubicBezTo>
+                        <a:cubicBezTo>
+                          <a:pt x="703591" y="-2893"/>
+                          <a:pt x="886646" y="44702"/>
+                          <a:pt x="1119917" y="0"/>
+                        </a:cubicBezTo>
+                        <a:cubicBezTo>
+                          <a:pt x="1353188" y="-44702"/>
+                          <a:pt x="1465468" y="12722"/>
+                          <a:pt x="1612680" y="0"/>
+                        </a:cubicBezTo>
+                        <a:cubicBezTo>
+                          <a:pt x="1759892" y="-12722"/>
+                          <a:pt x="1941676" y="57771"/>
+                          <a:pt x="2172639" y="0"/>
+                        </a:cubicBezTo>
+                        <a:cubicBezTo>
+                          <a:pt x="2403602" y="-57771"/>
+                          <a:pt x="2525952" y="50236"/>
+                          <a:pt x="2766195" y="0"/>
+                        </a:cubicBezTo>
+                        <a:cubicBezTo>
+                          <a:pt x="3006438" y="-50236"/>
+                          <a:pt x="3120024" y="52443"/>
+                          <a:pt x="3359751" y="0"/>
+                        </a:cubicBezTo>
+                        <a:cubicBezTo>
+                          <a:pt x="3382418" y="159289"/>
+                          <a:pt x="3349776" y="257344"/>
+                          <a:pt x="3359751" y="400310"/>
+                        </a:cubicBezTo>
+                        <a:cubicBezTo>
+                          <a:pt x="3369726" y="543276"/>
+                          <a:pt x="3324970" y="756877"/>
+                          <a:pt x="3359751" y="997787"/>
+                        </a:cubicBezTo>
+                        <a:cubicBezTo>
+                          <a:pt x="3394532" y="1238697"/>
+                          <a:pt x="3348204" y="1545961"/>
+                          <a:pt x="3359751" y="1726709"/>
+                        </a:cubicBezTo>
+                        <a:cubicBezTo>
+                          <a:pt x="3371298" y="1907457"/>
+                          <a:pt x="3323778" y="2098018"/>
+                          <a:pt x="3359751" y="2389909"/>
+                        </a:cubicBezTo>
+                        <a:cubicBezTo>
+                          <a:pt x="3395724" y="2681800"/>
+                          <a:pt x="3329683" y="2736717"/>
+                          <a:pt x="3359751" y="2921664"/>
+                        </a:cubicBezTo>
+                        <a:cubicBezTo>
+                          <a:pt x="3389819" y="3106611"/>
+                          <a:pt x="3339679" y="3380426"/>
+                          <a:pt x="3359751" y="3584864"/>
+                        </a:cubicBezTo>
+                        <a:cubicBezTo>
+                          <a:pt x="3379823" y="3789302"/>
+                          <a:pt x="3330866" y="3928661"/>
+                          <a:pt x="3359751" y="4050896"/>
+                        </a:cubicBezTo>
+                        <a:cubicBezTo>
+                          <a:pt x="3388636" y="4173131"/>
+                          <a:pt x="3293160" y="4480543"/>
+                          <a:pt x="3359751" y="4648373"/>
+                        </a:cubicBezTo>
+                        <a:cubicBezTo>
+                          <a:pt x="3426342" y="4816203"/>
+                          <a:pt x="3316269" y="4933980"/>
+                          <a:pt x="3359751" y="5048683"/>
+                        </a:cubicBezTo>
+                        <a:cubicBezTo>
+                          <a:pt x="3403233" y="5163386"/>
+                          <a:pt x="3353084" y="5627685"/>
+                          <a:pt x="3359751" y="5777605"/>
+                        </a:cubicBezTo>
+                        <a:cubicBezTo>
+                          <a:pt x="3366418" y="5927525"/>
+                          <a:pt x="3309177" y="6265148"/>
+                          <a:pt x="3359751" y="6572250"/>
+                        </a:cubicBezTo>
+                        <a:cubicBezTo>
+                          <a:pt x="3214946" y="6634743"/>
+                          <a:pt x="2944978" y="6506516"/>
+                          <a:pt x="2732597" y="6572250"/>
+                        </a:cubicBezTo>
+                        <a:cubicBezTo>
+                          <a:pt x="2520216" y="6637984"/>
+                          <a:pt x="2427308" y="6539325"/>
+                          <a:pt x="2139041" y="6572250"/>
+                        </a:cubicBezTo>
+                        <a:cubicBezTo>
+                          <a:pt x="1850774" y="6605175"/>
+                          <a:pt x="1814703" y="6555074"/>
+                          <a:pt x="1646278" y="6572250"/>
+                        </a:cubicBezTo>
+                        <a:cubicBezTo>
+                          <a:pt x="1477853" y="6589426"/>
+                          <a:pt x="1182190" y="6528418"/>
+                          <a:pt x="1019124" y="6572250"/>
+                        </a:cubicBezTo>
+                        <a:cubicBezTo>
+                          <a:pt x="856058" y="6616082"/>
+                          <a:pt x="205840" y="6569669"/>
+                          <a:pt x="0" y="6572250"/>
+                        </a:cubicBezTo>
+                        <a:cubicBezTo>
+                          <a:pt x="-46716" y="6430436"/>
+                          <a:pt x="29139" y="6296760"/>
+                          <a:pt x="0" y="6171940"/>
+                        </a:cubicBezTo>
+                        <a:cubicBezTo>
+                          <a:pt x="-29139" y="6047120"/>
+                          <a:pt x="50698" y="5783957"/>
+                          <a:pt x="0" y="5508740"/>
+                        </a:cubicBezTo>
+                        <a:cubicBezTo>
+                          <a:pt x="-50698" y="5233523"/>
+                          <a:pt x="6217" y="5273001"/>
+                          <a:pt x="0" y="5108431"/>
+                        </a:cubicBezTo>
+                        <a:cubicBezTo>
+                          <a:pt x="-6217" y="4943861"/>
+                          <a:pt x="36182" y="4764684"/>
+                          <a:pt x="0" y="4510953"/>
+                        </a:cubicBezTo>
+                        <a:cubicBezTo>
+                          <a:pt x="-36182" y="4257222"/>
+                          <a:pt x="76543" y="3998827"/>
+                          <a:pt x="0" y="3782031"/>
+                        </a:cubicBezTo>
+                        <a:cubicBezTo>
+                          <a:pt x="-76543" y="3565235"/>
+                          <a:pt x="67063" y="3300056"/>
+                          <a:pt x="0" y="3053109"/>
+                        </a:cubicBezTo>
+                        <a:cubicBezTo>
+                          <a:pt x="-67063" y="2806162"/>
+                          <a:pt x="23022" y="2702666"/>
+                          <a:pt x="0" y="2389909"/>
+                        </a:cubicBezTo>
+                        <a:cubicBezTo>
+                          <a:pt x="-23022" y="2077152"/>
+                          <a:pt x="46281" y="2048871"/>
+                          <a:pt x="0" y="1858154"/>
+                        </a:cubicBezTo>
+                        <a:cubicBezTo>
+                          <a:pt x="-46281" y="1667437"/>
+                          <a:pt x="4572" y="1626386"/>
+                          <a:pt x="0" y="1457845"/>
+                        </a:cubicBezTo>
+                        <a:cubicBezTo>
+                          <a:pt x="-4572" y="1289304"/>
+                          <a:pt x="5978" y="1170535"/>
+                          <a:pt x="0" y="926090"/>
+                        </a:cubicBezTo>
+                        <a:cubicBezTo>
+                          <a:pt x="-5978" y="681645"/>
+                          <a:pt x="65716" y="285634"/>
+                          <a:pt x="0" y="0"/>
+                        </a:cubicBezTo>
+                        <a:close/>
+                      </a:path>
+                      <a:path w="3359751" h="6572250" stroke="0" extrusionOk="0">
+                        <a:moveTo>
+                          <a:pt x="0" y="0"/>
+                        </a:moveTo>
+                        <a:cubicBezTo>
+                          <a:pt x="212538" y="-36787"/>
+                          <a:pt x="354686" y="54973"/>
+                          <a:pt x="526361" y="0"/>
+                        </a:cubicBezTo>
+                        <a:cubicBezTo>
+                          <a:pt x="698036" y="-54973"/>
+                          <a:pt x="841898" y="40168"/>
+                          <a:pt x="985527" y="0"/>
+                        </a:cubicBezTo>
+                        <a:cubicBezTo>
+                          <a:pt x="1129156" y="-40168"/>
+                          <a:pt x="1439472" y="55801"/>
+                          <a:pt x="1612680" y="0"/>
+                        </a:cubicBezTo>
+                        <a:cubicBezTo>
+                          <a:pt x="1785888" y="-55801"/>
+                          <a:pt x="2005415" y="15212"/>
+                          <a:pt x="2139041" y="0"/>
+                        </a:cubicBezTo>
+                        <a:cubicBezTo>
+                          <a:pt x="2272667" y="-15212"/>
+                          <a:pt x="2422389" y="10412"/>
+                          <a:pt x="2665402" y="0"/>
+                        </a:cubicBezTo>
+                        <a:cubicBezTo>
+                          <a:pt x="2908415" y="-10412"/>
+                          <a:pt x="3041869" y="40937"/>
+                          <a:pt x="3359751" y="0"/>
+                        </a:cubicBezTo>
+                        <a:cubicBezTo>
+                          <a:pt x="3392925" y="108477"/>
+                          <a:pt x="3316241" y="277149"/>
+                          <a:pt x="3359751" y="466032"/>
+                        </a:cubicBezTo>
+                        <a:cubicBezTo>
+                          <a:pt x="3403261" y="654915"/>
+                          <a:pt x="3317367" y="899361"/>
+                          <a:pt x="3359751" y="1063510"/>
+                        </a:cubicBezTo>
+                        <a:cubicBezTo>
+                          <a:pt x="3402135" y="1227659"/>
+                          <a:pt x="3309807" y="1308335"/>
+                          <a:pt x="3359751" y="1529542"/>
+                        </a:cubicBezTo>
+                        <a:cubicBezTo>
+                          <a:pt x="3409695" y="1750749"/>
+                          <a:pt x="3350224" y="1778232"/>
+                          <a:pt x="3359751" y="1995574"/>
+                        </a:cubicBezTo>
+                        <a:cubicBezTo>
+                          <a:pt x="3369278" y="2212916"/>
+                          <a:pt x="3296218" y="2450548"/>
+                          <a:pt x="3359751" y="2593051"/>
+                        </a:cubicBezTo>
+                        <a:cubicBezTo>
+                          <a:pt x="3423284" y="2735554"/>
+                          <a:pt x="3343105" y="3070316"/>
+                          <a:pt x="3359751" y="3256251"/>
+                        </a:cubicBezTo>
+                        <a:cubicBezTo>
+                          <a:pt x="3376397" y="3442186"/>
+                          <a:pt x="3328799" y="3470778"/>
+                          <a:pt x="3359751" y="3656561"/>
+                        </a:cubicBezTo>
+                        <a:cubicBezTo>
+                          <a:pt x="3390703" y="3842344"/>
+                          <a:pt x="3359641" y="4080916"/>
+                          <a:pt x="3359751" y="4254038"/>
+                        </a:cubicBezTo>
+                        <a:cubicBezTo>
+                          <a:pt x="3359861" y="4427160"/>
+                          <a:pt x="3325330" y="4661478"/>
+                          <a:pt x="3359751" y="4851515"/>
+                        </a:cubicBezTo>
+                        <a:cubicBezTo>
+                          <a:pt x="3394172" y="5041552"/>
+                          <a:pt x="3302985" y="5258813"/>
+                          <a:pt x="3359751" y="5448993"/>
+                        </a:cubicBezTo>
+                        <a:cubicBezTo>
+                          <a:pt x="3416517" y="5639173"/>
+                          <a:pt x="3349547" y="6272545"/>
+                          <a:pt x="3359751" y="6572250"/>
+                        </a:cubicBezTo>
+                        <a:cubicBezTo>
+                          <a:pt x="3174400" y="6579541"/>
+                          <a:pt x="3039096" y="6548617"/>
+                          <a:pt x="2766195" y="6572250"/>
+                        </a:cubicBezTo>
+                        <a:cubicBezTo>
+                          <a:pt x="2493294" y="6595883"/>
+                          <a:pt x="2480344" y="6542910"/>
+                          <a:pt x="2307029" y="6572250"/>
+                        </a:cubicBezTo>
+                        <a:cubicBezTo>
+                          <a:pt x="2133714" y="6601590"/>
+                          <a:pt x="2036652" y="6521546"/>
+                          <a:pt x="1814266" y="6572250"/>
+                        </a:cubicBezTo>
+                        <a:cubicBezTo>
+                          <a:pt x="1591880" y="6622954"/>
+                          <a:pt x="1404851" y="6564163"/>
+                          <a:pt x="1187112" y="6572250"/>
+                        </a:cubicBezTo>
+                        <a:cubicBezTo>
+                          <a:pt x="969373" y="6580337"/>
+                          <a:pt x="847998" y="6519691"/>
+                          <a:pt x="627154" y="6572250"/>
+                        </a:cubicBezTo>
+                        <a:cubicBezTo>
+                          <a:pt x="406310" y="6624809"/>
+                          <a:pt x="307635" y="6507801"/>
+                          <a:pt x="0" y="6572250"/>
+                        </a:cubicBezTo>
+                        <a:cubicBezTo>
+                          <a:pt x="-50142" y="6379123"/>
+                          <a:pt x="32807" y="6098471"/>
+                          <a:pt x="0" y="5974773"/>
+                        </a:cubicBezTo>
+                        <a:cubicBezTo>
+                          <a:pt x="-32807" y="5851075"/>
+                          <a:pt x="13204" y="5744900"/>
+                          <a:pt x="0" y="5574463"/>
+                        </a:cubicBezTo>
+                        <a:cubicBezTo>
+                          <a:pt x="-13204" y="5404026"/>
+                          <a:pt x="35109" y="5356303"/>
+                          <a:pt x="0" y="5174153"/>
+                        </a:cubicBezTo>
+                        <a:cubicBezTo>
+                          <a:pt x="-35109" y="4992003"/>
+                          <a:pt x="43420" y="4675684"/>
+                          <a:pt x="0" y="4510953"/>
+                        </a:cubicBezTo>
+                        <a:cubicBezTo>
+                          <a:pt x="-43420" y="4346222"/>
+                          <a:pt x="28073" y="4205853"/>
+                          <a:pt x="0" y="4044921"/>
+                        </a:cubicBezTo>
+                        <a:cubicBezTo>
+                          <a:pt x="-28073" y="3883989"/>
+                          <a:pt x="17779" y="3615957"/>
+                          <a:pt x="0" y="3315999"/>
+                        </a:cubicBezTo>
+                        <a:cubicBezTo>
+                          <a:pt x="-17779" y="3016041"/>
+                          <a:pt x="13924" y="2987740"/>
+                          <a:pt x="0" y="2784244"/>
+                        </a:cubicBezTo>
+                        <a:cubicBezTo>
+                          <a:pt x="-13924" y="2580749"/>
+                          <a:pt x="4887" y="2476651"/>
+                          <a:pt x="0" y="2383934"/>
+                        </a:cubicBezTo>
+                        <a:cubicBezTo>
+                          <a:pt x="-4887" y="2291217"/>
+                          <a:pt x="34213" y="2030690"/>
+                          <a:pt x="0" y="1720735"/>
+                        </a:cubicBezTo>
+                        <a:cubicBezTo>
+                          <a:pt x="-34213" y="1410780"/>
+                          <a:pt x="42821" y="1442641"/>
+                          <a:pt x="0" y="1254702"/>
+                        </a:cubicBezTo>
+                        <a:cubicBezTo>
+                          <a:pt x="-42821" y="1066763"/>
+                          <a:pt x="10893" y="805172"/>
+                          <a:pt x="0" y="591502"/>
+                        </a:cubicBezTo>
+                        <a:cubicBezTo>
+                          <a:pt x="-10893" y="377832"/>
+                          <a:pt x="59560" y="216432"/>
+                          <a:pt x="0" y="0"/>
+                        </a:cubicBezTo>
+                        <a:close/>
+                      </a:path>
+                    </a:pathLst>
+                  </a:custGeom>
+                  <ask:type>
+                    <ask:lineSketchNone/>
+                  </ask:type>
+                </ask:lineSketchStyleProps>
+              </a:ext>
+            </a:extLst>
+          </a:ln>
         </p:spPr>
         <p:style>
-          <a:lnRef idx="1">
-            <a:schemeClr val="accent1"/>
+          <a:lnRef idx="0">
+            <a:scrgbClr r="0" g="0" b="0"/>
           </a:lnRef>
-          <a:fillRef idx="2">
-            <a:schemeClr val="accent1"/>
+          <a:fillRef idx="0">
+            <a:scrgbClr r="0" g="0" b="0"/>
           </a:fillRef>
-          <a:effectRef idx="1">
-            <a:schemeClr val="accent1"/>
+          <a:effectRef idx="0">
+            <a:scrgbClr r="0" g="0" b="0"/>
           </a:effectRef>
           <a:fontRef idx="minor">
-            <a:schemeClr val="dk1"/>
+            <a:schemeClr val="lt1"/>
+          </a:fontRef>
+        </p:style>
+        <p:txBody>
+          <a:bodyPr rtlCol="0" anchor="ctr"/>
+          <a:lstStyle/>
+          <a:p>
+            <a:pPr algn="ctr"/>
+            <a:endParaRPr lang="de-DE" dirty="0">
+              <a:latin typeface="Calibri" panose="020F0502020204030204" pitchFamily="34" charset="0"/>
+              <a:ea typeface="Calibri" panose="020F0502020204030204" pitchFamily="34" charset="0"/>
+              <a:cs typeface="Calibri" panose="020F0502020204030204" pitchFamily="34" charset="0"/>
+            </a:endParaRPr>
+          </a:p>
+        </p:txBody>
+      </p:sp>
+      <p:sp>
+        <p:nvSpPr>
+          <p:cNvPr id="31" name="Textfeld 30">
+            <a:extLst>
+              <a:ext uri="{FF2B5EF4-FFF2-40B4-BE49-F238E27FC236}">
+                <a16:creationId xmlns:a16="http://schemas.microsoft.com/office/drawing/2014/main" id="{5A5C85A1-4823-8365-8E27-2D5B33E69A2A}"/>
+              </a:ext>
+            </a:extLst>
+          </p:cNvPr>
+          <p:cNvSpPr txBox="1"/>
+          <p:nvPr/>
+        </p:nvSpPr>
+        <p:spPr>
+          <a:xfrm>
+            <a:off x="2216544" y="344421"/>
+            <a:ext cx="2419416" cy="369332"/>
+          </a:xfrm>
+          <a:prstGeom prst="rect">
+            <a:avLst/>
+          </a:prstGeom>
+          <a:noFill/>
+          <a:ln>
+            <a:noFill/>
+          </a:ln>
+        </p:spPr>
+        <p:txBody>
+          <a:bodyPr wrap="square" rtlCol="0">
+            <a:spAutoFit/>
+          </a:bodyPr>
+          <a:lstStyle/>
+          <a:p>
+            <a:r>
+              <a:rPr lang="de-DE" b="1" dirty="0">
+                <a:latin typeface="Calibri" panose="020F0502020204030204" pitchFamily="34" charset="0"/>
+                <a:ea typeface="Calibri" panose="020F0502020204030204" pitchFamily="34" charset="0"/>
+                <a:cs typeface="Calibri" panose="020F0502020204030204" pitchFamily="34" charset="0"/>
+              </a:rPr>
+              <a:t>Data Ingestion Service</a:t>
+            </a:r>
+          </a:p>
+        </p:txBody>
+      </p:sp>
+      <p:sp>
+        <p:nvSpPr>
+          <p:cNvPr id="74" name="Rechteck 73">
+            <a:extLst>
+              <a:ext uri="{FF2B5EF4-FFF2-40B4-BE49-F238E27FC236}">
+                <a16:creationId xmlns:a16="http://schemas.microsoft.com/office/drawing/2014/main" id="{FC251E23-4519-96C4-4B36-B4FCFF5E5DB9}"/>
+              </a:ext>
+            </a:extLst>
+          </p:cNvPr>
+          <p:cNvSpPr/>
+          <p:nvPr/>
+        </p:nvSpPr>
+        <p:spPr>
+          <a:xfrm>
+            <a:off x="7970835" y="250860"/>
+            <a:ext cx="4166954" cy="6572250"/>
+          </a:xfrm>
+          <a:prstGeom prst="rect">
+            <a:avLst/>
+          </a:prstGeom>
+          <a:gradFill flip="none" rotWithShape="1">
+            <a:gsLst>
+              <a:gs pos="0">
+                <a:schemeClr val="accent4">
+                  <a:lumMod val="67000"/>
+                </a:schemeClr>
+              </a:gs>
+              <a:gs pos="48000">
+                <a:schemeClr val="accent4">
+                  <a:lumMod val="97000"/>
+                  <a:lumOff val="3000"/>
+                </a:schemeClr>
+              </a:gs>
+              <a:gs pos="100000">
+                <a:schemeClr val="accent4">
+                  <a:lumMod val="60000"/>
+                  <a:lumOff val="40000"/>
+                </a:schemeClr>
+              </a:gs>
+            </a:gsLst>
+            <a:lin ang="16200000" scaled="1"/>
+            <a:tileRect/>
+          </a:gradFill>
+          <a:ln w="15875">
+            <a:solidFill>
+              <a:schemeClr val="tx1"/>
+            </a:solidFill>
+            <a:prstDash val="sysDot"/>
+          </a:ln>
+        </p:spPr>
+        <p:style>
+          <a:lnRef idx="0">
+            <a:scrgbClr r="0" g="0" b="0"/>
+          </a:lnRef>
+          <a:fillRef idx="0">
+            <a:scrgbClr r="0" g="0" b="0"/>
+          </a:fillRef>
+          <a:effectRef idx="0">
+            <a:scrgbClr r="0" g="0" b="0"/>
+          </a:effectRef>
+          <a:fontRef idx="minor">
+            <a:schemeClr val="lt1"/>
           </a:fontRef>
         </p:style>
         <p:txBody>
@@ -3463,10 +4618,10 @@
       </p:sp>
       <p:sp>
         <p:nvSpPr>
-          <p:cNvPr id="31" name="Textfeld 30">
-            <a:extLst>
-              <a:ext uri="{FF2B5EF4-FFF2-40B4-BE49-F238E27FC236}">
-                <a16:creationId xmlns:a16="http://schemas.microsoft.com/office/drawing/2014/main" id="{5A5C85A1-4823-8365-8E27-2D5B33E69A2A}"/>
+          <p:cNvPr id="75" name="Textfeld 74">
+            <a:extLst>
+              <a:ext uri="{FF2B5EF4-FFF2-40B4-BE49-F238E27FC236}">
+                <a16:creationId xmlns:a16="http://schemas.microsoft.com/office/drawing/2014/main" id="{BFD86969-0AA3-585B-6B70-5203A6175D8B}"/>
               </a:ext>
             </a:extLst>
           </p:cNvPr>
@@ -3475,94 +4630,7 @@
         </p:nvSpPr>
         <p:spPr>
           <a:xfrm>
-            <a:off x="3050471" y="368495"/>
-            <a:ext cx="2419416" cy="369332"/>
-          </a:xfrm>
-          <a:prstGeom prst="rect">
-            <a:avLst/>
-          </a:prstGeom>
-          <a:noFill/>
-        </p:spPr>
-        <p:txBody>
-          <a:bodyPr wrap="square" rtlCol="0">
-            <a:spAutoFit/>
-          </a:bodyPr>
-          <a:lstStyle/>
-          <a:p>
-            <a:r>
-              <a:rPr lang="de-DE" b="1" dirty="0">
-                <a:latin typeface="Calibri" panose="020F0502020204030204" pitchFamily="34" charset="0"/>
-                <a:ea typeface="Calibri" panose="020F0502020204030204" pitchFamily="34" charset="0"/>
-                <a:cs typeface="Calibri" panose="020F0502020204030204" pitchFamily="34" charset="0"/>
-              </a:rPr>
-              <a:t>Data Ingestion Service</a:t>
-            </a:r>
-          </a:p>
-        </p:txBody>
-      </p:sp>
-      <p:sp>
-        <p:nvSpPr>
-          <p:cNvPr id="74" name="Rechteck 73">
-            <a:extLst>
-              <a:ext uri="{FF2B5EF4-FFF2-40B4-BE49-F238E27FC236}">
-                <a16:creationId xmlns:a16="http://schemas.microsoft.com/office/drawing/2014/main" id="{FC251E23-4519-96C4-4B36-B4FCFF5E5DB9}"/>
-              </a:ext>
-            </a:extLst>
-          </p:cNvPr>
-          <p:cNvSpPr/>
-          <p:nvPr/>
-        </p:nvSpPr>
-        <p:spPr>
-          <a:xfrm>
-            <a:off x="8338623" y="250860"/>
-            <a:ext cx="2768600" cy="6572250"/>
-          </a:xfrm>
-          <a:prstGeom prst="rect">
-            <a:avLst/>
-          </a:prstGeom>
-        </p:spPr>
-        <p:style>
-          <a:lnRef idx="1">
-            <a:schemeClr val="accent1"/>
-          </a:lnRef>
-          <a:fillRef idx="2">
-            <a:schemeClr val="accent1"/>
-          </a:fillRef>
-          <a:effectRef idx="1">
-            <a:schemeClr val="accent1"/>
-          </a:effectRef>
-          <a:fontRef idx="minor">
-            <a:schemeClr val="dk1"/>
-          </a:fontRef>
-        </p:style>
-        <p:txBody>
-          <a:bodyPr rtlCol="0" anchor="ctr"/>
-          <a:lstStyle/>
-          <a:p>
-            <a:pPr algn="ctr"/>
-            <a:endParaRPr lang="de-DE">
-              <a:latin typeface="Calibri" panose="020F0502020204030204" pitchFamily="34" charset="0"/>
-              <a:ea typeface="Calibri" panose="020F0502020204030204" pitchFamily="34" charset="0"/>
-              <a:cs typeface="Calibri" panose="020F0502020204030204" pitchFamily="34" charset="0"/>
-            </a:endParaRPr>
-          </a:p>
-        </p:txBody>
-      </p:sp>
-      <p:sp>
-        <p:nvSpPr>
-          <p:cNvPr id="75" name="Textfeld 74">
-            <a:extLst>
-              <a:ext uri="{FF2B5EF4-FFF2-40B4-BE49-F238E27FC236}">
-                <a16:creationId xmlns:a16="http://schemas.microsoft.com/office/drawing/2014/main" id="{BFD86969-0AA3-585B-6B70-5203A6175D8B}"/>
-              </a:ext>
-            </a:extLst>
-          </p:cNvPr>
-          <p:cNvSpPr txBox="1"/>
-          <p:nvPr/>
-        </p:nvSpPr>
-        <p:spPr>
-          <a:xfrm>
-            <a:off x="8513569" y="390641"/>
+            <a:off x="8927154" y="347844"/>
             <a:ext cx="2681601" cy="369332"/>
           </a:xfrm>
           <a:prstGeom prst="rect">
@@ -3590,7 +4658,7 @@
                 <a:ea typeface="Calibri" panose="020F0502020204030204" pitchFamily="34" charset="0"/>
                 <a:cs typeface="Calibri" panose="020F0502020204030204" pitchFamily="34" charset="0"/>
               </a:rPr>
-              <a:t>Persistance</a:t>
+              <a:t>Persistence</a:t>
             </a:r>
             <a:r>
               <a:rPr lang="de-DE" b="1" dirty="0">
@@ -3617,7 +4685,7 @@
         </p:nvSpPr>
         <p:spPr>
           <a:xfrm>
-            <a:off x="3352240" y="938580"/>
+            <a:off x="2524809" y="1085053"/>
             <a:ext cx="1658529" cy="1340093"/>
           </a:xfrm>
           <a:prstGeom prst="rect">
@@ -3654,7 +4722,7 @@
                 <a:ea typeface="Calibri" panose="020F0502020204030204" pitchFamily="34" charset="0"/>
                 <a:cs typeface="Calibri" panose="020F0502020204030204" pitchFamily="34" charset="0"/>
               </a:rPr>
-              <a:t>Apache Kafka Broker 1</a:t>
+              <a:t>Kafka Broker 1</a:t>
             </a:r>
           </a:p>
         </p:txBody>
@@ -3673,7 +4741,7 @@
         </p:nvSpPr>
         <p:spPr>
           <a:xfrm>
-            <a:off x="6145823" y="940725"/>
+            <a:off x="5548353" y="1097197"/>
             <a:ext cx="1652558" cy="1340084"/>
           </a:xfrm>
           <a:prstGeom prst="rect">
@@ -3710,7 +4778,7 @@
                 <a:ea typeface="Calibri" panose="020F0502020204030204" pitchFamily="34" charset="0"/>
                 <a:cs typeface="Calibri" panose="020F0502020204030204" pitchFamily="34" charset="0"/>
               </a:rPr>
-              <a:t>Apache Spark Core </a:t>
+              <a:t>Spark </a:t>
             </a:r>
             <a:r>
               <a:rPr lang="de-DE" dirty="0" err="1">
@@ -3745,7 +4813,7 @@
         </p:nvSpPr>
         <p:spPr>
           <a:xfrm>
-            <a:off x="8922278" y="938580"/>
+            <a:off x="8526743" y="1085052"/>
             <a:ext cx="1652558" cy="1340093"/>
           </a:xfrm>
           <a:prstGeom prst="rect">
@@ -3782,7 +4850,7 @@
                 <a:ea typeface="Calibri" panose="020F0502020204030204" pitchFamily="34" charset="0"/>
                 <a:cs typeface="Calibri" panose="020F0502020204030204" pitchFamily="34" charset="0"/>
               </a:rPr>
-              <a:t>HDFS</a:t>
+              <a:t>HDFS Name Node</a:t>
             </a:r>
           </a:p>
         </p:txBody>
@@ -3805,8 +4873,8 @@
         </p:nvCxnSpPr>
         <p:spPr>
           <a:xfrm>
-            <a:off x="5010769" y="1608627"/>
-            <a:ext cx="1135054" cy="2140"/>
+            <a:off x="4183338" y="1755100"/>
+            <a:ext cx="1365015" cy="12139"/>
           </a:xfrm>
           <a:prstGeom prst="straightConnector1">
             <a:avLst/>
@@ -3854,8 +4922,8 @@
         </p:nvCxnSpPr>
         <p:spPr>
           <a:xfrm flipV="1">
-            <a:off x="7798381" y="1608627"/>
-            <a:ext cx="1123897" cy="2140"/>
+            <a:off x="7200911" y="1755099"/>
+            <a:ext cx="1325832" cy="12140"/>
           </a:xfrm>
           <a:prstGeom prst="straightConnector1">
             <a:avLst/>
@@ -3899,7 +4967,7 @@
         </p:nvSpPr>
         <p:spPr>
           <a:xfrm>
-            <a:off x="3352240" y="3358953"/>
+            <a:off x="2497508" y="3358953"/>
             <a:ext cx="1658529" cy="1340094"/>
           </a:xfrm>
           <a:prstGeom prst="rect">
@@ -3936,7 +5004,7 @@
                 <a:ea typeface="Calibri" panose="020F0502020204030204" pitchFamily="34" charset="0"/>
                 <a:cs typeface="Calibri" panose="020F0502020204030204" pitchFamily="34" charset="0"/>
               </a:rPr>
-              <a:t>Apache Kafka Broker 2</a:t>
+              <a:t>Kafka Broker 2</a:t>
             </a:r>
           </a:p>
         </p:txBody>
@@ -3955,7 +5023,7 @@
         </p:nvSpPr>
         <p:spPr>
           <a:xfrm>
-            <a:off x="3352240" y="5340337"/>
+            <a:off x="2497508" y="5340337"/>
             <a:ext cx="1658529" cy="1340094"/>
           </a:xfrm>
           <a:prstGeom prst="rect">
@@ -3992,7 +5060,7 @@
                 <a:ea typeface="Calibri" panose="020F0502020204030204" pitchFamily="34" charset="0"/>
                 <a:cs typeface="Calibri" panose="020F0502020204030204" pitchFamily="34" charset="0"/>
               </a:rPr>
-              <a:t>Apache Kafka Broker 3</a:t>
+              <a:t>Kafka Broker 3</a:t>
             </a:r>
           </a:p>
         </p:txBody>
@@ -4011,7 +5079,7 @@
         </p:nvSpPr>
         <p:spPr>
           <a:xfrm>
-            <a:off x="6148809" y="3359229"/>
+            <a:off x="5548353" y="3359229"/>
             <a:ext cx="1652558" cy="1340094"/>
           </a:xfrm>
           <a:prstGeom prst="rect">
@@ -4048,7 +5116,7 @@
                 <a:ea typeface="Calibri" panose="020F0502020204030204" pitchFamily="34" charset="0"/>
                 <a:cs typeface="Calibri" panose="020F0502020204030204" pitchFamily="34" charset="0"/>
               </a:rPr>
-              <a:t>Apache Spark Core </a:t>
+              <a:t>Spark </a:t>
             </a:r>
             <a:r>
               <a:rPr lang="de-DE" dirty="0" err="1">
@@ -4083,7 +5151,7 @@
         </p:nvSpPr>
         <p:spPr>
           <a:xfrm>
-            <a:off x="6142838" y="5340337"/>
+            <a:off x="5558365" y="5335266"/>
             <a:ext cx="1658529" cy="1340094"/>
           </a:xfrm>
           <a:prstGeom prst="rect">
@@ -4120,7 +5188,7 @@
                 <a:ea typeface="Calibri" panose="020F0502020204030204" pitchFamily="34" charset="0"/>
                 <a:cs typeface="Calibri" panose="020F0502020204030204" pitchFamily="34" charset="0"/>
               </a:rPr>
-              <a:t>Apache Spark Core </a:t>
+              <a:t>Spark </a:t>
             </a:r>
             <a:r>
               <a:rPr lang="de-DE" dirty="0" err="1">
@@ -4159,8 +5227,160 @@
         </p:nvCxnSpPr>
         <p:spPr>
           <a:xfrm>
-            <a:off x="5010769" y="4029000"/>
-            <a:ext cx="1138040" cy="276"/>
+            <a:off x="4156037" y="4029000"/>
+            <a:ext cx="1392316" cy="276"/>
+          </a:xfrm>
+          <a:prstGeom prst="straightConnector1">
+            <a:avLst/>
+          </a:prstGeom>
+          <a:ln w="25400" cap="flat" cmpd="sng" algn="ctr">
+            <a:solidFill>
+              <a:schemeClr val="tx1"/>
+            </a:solidFill>
+            <a:prstDash val="dash"/>
+            <a:round/>
+            <a:headEnd type="none" w="med" len="med"/>
+            <a:tailEnd type="arrow" w="med" len="med"/>
+          </a:ln>
+        </p:spPr>
+        <p:style>
+          <a:lnRef idx="0">
+            <a:scrgbClr r="0" g="0" b="0"/>
+          </a:lnRef>
+          <a:fillRef idx="0">
+            <a:scrgbClr r="0" g="0" b="0"/>
+          </a:fillRef>
+          <a:effectRef idx="0">
+            <a:scrgbClr r="0" g="0" b="0"/>
+          </a:effectRef>
+          <a:fontRef idx="minor">
+            <a:schemeClr val="tx1"/>
+          </a:fontRef>
+        </p:style>
+      </p:cxnSp>
+      <p:cxnSp>
+        <p:nvCxnSpPr>
+          <p:cNvPr id="26" name="Gerade Verbindung mit Pfeil 25">
+            <a:extLst>
+              <a:ext uri="{FF2B5EF4-FFF2-40B4-BE49-F238E27FC236}">
+                <a16:creationId xmlns:a16="http://schemas.microsoft.com/office/drawing/2014/main" id="{FF2E8492-A882-2B10-7A69-2145E61E7879}"/>
+              </a:ext>
+            </a:extLst>
+          </p:cNvPr>
+          <p:cNvCxnSpPr>
+            <a:cxnSpLocks/>
+            <a:stCxn id="21" idx="3"/>
+            <a:endCxn id="23" idx="1"/>
+          </p:cNvCxnSpPr>
+          <p:nvPr/>
+        </p:nvCxnSpPr>
+        <p:spPr>
+          <a:xfrm flipV="1">
+            <a:off x="4156037" y="6005313"/>
+            <a:ext cx="1402328" cy="5071"/>
+          </a:xfrm>
+          <a:prstGeom prst="straightConnector1">
+            <a:avLst/>
+          </a:prstGeom>
+          <a:ln w="25400" cap="flat" cmpd="sng" algn="ctr">
+            <a:solidFill>
+              <a:schemeClr val="tx1"/>
+            </a:solidFill>
+            <a:prstDash val="dash"/>
+            <a:round/>
+            <a:headEnd type="none" w="med" len="med"/>
+            <a:tailEnd type="arrow" w="med" len="med"/>
+          </a:ln>
+        </p:spPr>
+        <p:style>
+          <a:lnRef idx="0">
+            <a:scrgbClr r="0" g="0" b="0"/>
+          </a:lnRef>
+          <a:fillRef idx="0">
+            <a:scrgbClr r="0" g="0" b="0"/>
+          </a:fillRef>
+          <a:effectRef idx="0">
+            <a:scrgbClr r="0" g="0" b="0"/>
+          </a:effectRef>
+          <a:fontRef idx="minor">
+            <a:schemeClr val="tx1"/>
+          </a:fontRef>
+        </p:style>
+      </p:cxnSp>
+      <p:sp>
+        <p:nvSpPr>
+          <p:cNvPr id="4" name="Rechteck 3">
+            <a:extLst>
+              <a:ext uri="{FF2B5EF4-FFF2-40B4-BE49-F238E27FC236}">
+                <a16:creationId xmlns:a16="http://schemas.microsoft.com/office/drawing/2014/main" id="{89095407-A590-A269-5511-8DB6669C3D47}"/>
+              </a:ext>
+            </a:extLst>
+          </p:cNvPr>
+          <p:cNvSpPr/>
+          <p:nvPr/>
+        </p:nvSpPr>
+        <p:spPr>
+          <a:xfrm>
+            <a:off x="54212" y="255339"/>
+            <a:ext cx="1379622" cy="2514278"/>
+          </a:xfrm>
+          <a:prstGeom prst="rect">
+            <a:avLst/>
+          </a:prstGeom>
+          <a:ln>
+            <a:solidFill>
+              <a:schemeClr val="tx1"/>
+            </a:solidFill>
+          </a:ln>
+        </p:spPr>
+        <p:style>
+          <a:lnRef idx="2">
+            <a:schemeClr val="accent1"/>
+          </a:lnRef>
+          <a:fillRef idx="1">
+            <a:schemeClr val="lt1"/>
+          </a:fillRef>
+          <a:effectRef idx="0">
+            <a:schemeClr val="accent1"/>
+          </a:effectRef>
+          <a:fontRef idx="minor">
+            <a:schemeClr val="dk1"/>
+          </a:fontRef>
+        </p:style>
+        <p:txBody>
+          <a:bodyPr rtlCol="0" anchor="ctr"/>
+          <a:lstStyle/>
+          <a:p>
+            <a:pPr algn="ctr"/>
+            <a:r>
+              <a:rPr lang="de-DE" dirty="0">
+                <a:latin typeface="Calibri" panose="020F0502020204030204" pitchFamily="34" charset="0"/>
+                <a:ea typeface="Calibri" panose="020F0502020204030204" pitchFamily="34" charset="0"/>
+                <a:cs typeface="Calibri" panose="020F0502020204030204" pitchFamily="34" charset="0"/>
+              </a:rPr>
+              <a:t>Data Source (Temperaturdaten Deutschland 1996-2021)</a:t>
+            </a:r>
+          </a:p>
+        </p:txBody>
+      </p:sp>
+      <p:cxnSp>
+        <p:nvCxnSpPr>
+          <p:cNvPr id="6" name="Gerade Verbindung mit Pfeil 5">
+            <a:extLst>
+              <a:ext uri="{FF2B5EF4-FFF2-40B4-BE49-F238E27FC236}">
+                <a16:creationId xmlns:a16="http://schemas.microsoft.com/office/drawing/2014/main" id="{E27E60BB-77A0-F09A-C105-344EE85CFCBE}"/>
+              </a:ext>
+            </a:extLst>
+          </p:cNvPr>
+          <p:cNvCxnSpPr>
+            <a:cxnSpLocks/>
+          </p:cNvCxnSpPr>
+          <p:nvPr/>
+        </p:nvCxnSpPr>
+        <p:spPr>
+          <a:xfrm>
+            <a:off x="1433834" y="1755100"/>
+            <a:ext cx="1083512" cy="0"/>
           </a:xfrm>
           <a:prstGeom prst="straightConnector1">
             <a:avLst/>
@@ -4190,75 +5410,277 @@
           </a:fontRef>
         </p:style>
       </p:cxnSp>
+      <p:sp>
+        <p:nvSpPr>
+          <p:cNvPr id="39" name="Textfeld 38">
+            <a:extLst>
+              <a:ext uri="{FF2B5EF4-FFF2-40B4-BE49-F238E27FC236}">
+                <a16:creationId xmlns:a16="http://schemas.microsoft.com/office/drawing/2014/main" id="{A43DD09E-5542-41ED-12BB-268B0D4169F3}"/>
+              </a:ext>
+            </a:extLst>
+          </p:cNvPr>
+          <p:cNvSpPr txBox="1"/>
+          <p:nvPr/>
+        </p:nvSpPr>
+        <p:spPr>
+          <a:xfrm>
+            <a:off x="-11129" y="4070125"/>
+            <a:ext cx="1916267" cy="1200329"/>
+          </a:xfrm>
+          <a:prstGeom prst="rect">
+            <a:avLst/>
+          </a:prstGeom>
+          <a:noFill/>
+        </p:spPr>
+        <p:txBody>
+          <a:bodyPr wrap="square" rtlCol="0">
+            <a:spAutoFit/>
+          </a:bodyPr>
+          <a:lstStyle/>
+          <a:p>
+            <a:r>
+              <a:rPr lang="de-DE" dirty="0">
+                <a:latin typeface="Calibri" panose="020F0502020204030204" pitchFamily="34" charset="0"/>
+                <a:ea typeface="Calibri" panose="020F0502020204030204" pitchFamily="34" charset="0"/>
+                <a:cs typeface="Calibri" panose="020F0502020204030204" pitchFamily="34" charset="0"/>
+              </a:rPr>
+              <a:t>Horizontale Skalierung der Komponenten möglich…</a:t>
+            </a:r>
+          </a:p>
+        </p:txBody>
+      </p:sp>
       <p:cxnSp>
         <p:nvCxnSpPr>
-          <p:cNvPr id="26" name="Gerade Verbindung mit Pfeil 25">
-            <a:extLst>
-              <a:ext uri="{FF2B5EF4-FFF2-40B4-BE49-F238E27FC236}">
-                <a16:creationId xmlns:a16="http://schemas.microsoft.com/office/drawing/2014/main" id="{FF2E8492-A882-2B10-7A69-2145E61E7879}"/>
+          <p:cNvPr id="128" name="Gerader Verbinder 127">
+            <a:extLst>
+              <a:ext uri="{FF2B5EF4-FFF2-40B4-BE49-F238E27FC236}">
+                <a16:creationId xmlns:a16="http://schemas.microsoft.com/office/drawing/2014/main" id="{4703D47D-EDE8-1AC9-1E30-A1B7AD02F888}"/>
               </a:ext>
             </a:extLst>
           </p:cNvPr>
           <p:cNvCxnSpPr>
             <a:cxnSpLocks/>
-            <a:stCxn id="21" idx="3"/>
-            <a:endCxn id="23" idx="1"/>
           </p:cNvCxnSpPr>
           <p:nvPr/>
         </p:nvCxnSpPr>
         <p:spPr>
           <a:xfrm>
-            <a:off x="5010769" y="6010384"/>
-            <a:ext cx="1132069" cy="0"/>
+            <a:off x="54212" y="2918373"/>
+            <a:ext cx="12083577" cy="0"/>
           </a:xfrm>
-          <a:prstGeom prst="straightConnector1">
+          <a:prstGeom prst="line">
             <a:avLst/>
           </a:prstGeom>
-          <a:ln w="25400" cap="flat" cmpd="sng" algn="ctr">
+          <a:ln w="38100">
             <a:solidFill>
               <a:schemeClr val="tx1"/>
             </a:solidFill>
             <a:prstDash val="solid"/>
-            <a:round/>
-            <a:headEnd type="none" w="med" len="med"/>
-            <a:tailEnd type="arrow" w="med" len="med"/>
           </a:ln>
         </p:spPr>
         <p:style>
-          <a:lnRef idx="0">
-            <a:scrgbClr r="0" g="0" b="0"/>
+          <a:lnRef idx="2">
+            <a:schemeClr val="accent1"/>
           </a:lnRef>
           <a:fillRef idx="0">
-            <a:scrgbClr r="0" g="0" b="0"/>
+            <a:schemeClr val="accent1"/>
           </a:fillRef>
-          <a:effectRef idx="0">
-            <a:scrgbClr r="0" g="0" b="0"/>
+          <a:effectRef idx="1">
+            <a:schemeClr val="accent1"/>
           </a:effectRef>
           <a:fontRef idx="minor">
             <a:schemeClr val="tx1"/>
           </a:fontRef>
         </p:style>
       </p:cxnSp>
+      <p:sp>
+        <p:nvSpPr>
+          <p:cNvPr id="10" name="Rechteck 9">
+            <a:extLst>
+              <a:ext uri="{FF2B5EF4-FFF2-40B4-BE49-F238E27FC236}">
+                <a16:creationId xmlns:a16="http://schemas.microsoft.com/office/drawing/2014/main" id="{FC034C6A-43D2-6A21-0FEB-3FDA69A82012}"/>
+              </a:ext>
+            </a:extLst>
+          </p:cNvPr>
+          <p:cNvSpPr/>
+          <p:nvPr/>
+        </p:nvSpPr>
+        <p:spPr>
+          <a:xfrm>
+            <a:off x="10389162" y="1081614"/>
+            <a:ext cx="1652558" cy="1340093"/>
+          </a:xfrm>
+          <a:prstGeom prst="rect">
+            <a:avLst/>
+          </a:prstGeom>
+          <a:ln>
+            <a:solidFill>
+              <a:schemeClr val="tx1"/>
+            </a:solidFill>
+          </a:ln>
+        </p:spPr>
+        <p:style>
+          <a:lnRef idx="2">
+            <a:schemeClr val="accent1"/>
+          </a:lnRef>
+          <a:fillRef idx="1">
+            <a:schemeClr val="lt1"/>
+          </a:fillRef>
+          <a:effectRef idx="0">
+            <a:schemeClr val="accent1"/>
+          </a:effectRef>
+          <a:fontRef idx="minor">
+            <a:schemeClr val="dk1"/>
+          </a:fontRef>
+        </p:style>
+        <p:txBody>
+          <a:bodyPr rtlCol="0" anchor="ctr"/>
+          <a:lstStyle/>
+          <a:p>
+            <a:pPr algn="ctr"/>
+            <a:r>
+              <a:rPr lang="de-DE" dirty="0">
+                <a:latin typeface="Calibri" panose="020F0502020204030204" pitchFamily="34" charset="0"/>
+                <a:ea typeface="Calibri" panose="020F0502020204030204" pitchFamily="34" charset="0"/>
+                <a:cs typeface="Calibri" panose="020F0502020204030204" pitchFamily="34" charset="0"/>
+              </a:rPr>
+              <a:t>HDFS Data Node 1</a:t>
+            </a:r>
+          </a:p>
+        </p:txBody>
+      </p:sp>
+      <p:sp>
+        <p:nvSpPr>
+          <p:cNvPr id="11" name="Rechteck 10">
+            <a:extLst>
+              <a:ext uri="{FF2B5EF4-FFF2-40B4-BE49-F238E27FC236}">
+                <a16:creationId xmlns:a16="http://schemas.microsoft.com/office/drawing/2014/main" id="{0E9BE353-E247-1834-1AFB-6DCE98AEDDE1}"/>
+              </a:ext>
+            </a:extLst>
+          </p:cNvPr>
+          <p:cNvSpPr/>
+          <p:nvPr/>
+        </p:nvSpPr>
+        <p:spPr>
+          <a:xfrm>
+            <a:off x="10389162" y="3400079"/>
+            <a:ext cx="1652558" cy="1340093"/>
+          </a:xfrm>
+          <a:prstGeom prst="rect">
+            <a:avLst/>
+          </a:prstGeom>
+          <a:ln>
+            <a:solidFill>
+              <a:schemeClr val="tx1"/>
+            </a:solidFill>
+          </a:ln>
+        </p:spPr>
+        <p:style>
+          <a:lnRef idx="2">
+            <a:schemeClr val="accent1"/>
+          </a:lnRef>
+          <a:fillRef idx="1">
+            <a:schemeClr val="lt1"/>
+          </a:fillRef>
+          <a:effectRef idx="0">
+            <a:schemeClr val="accent1"/>
+          </a:effectRef>
+          <a:fontRef idx="minor">
+            <a:schemeClr val="dk1"/>
+          </a:fontRef>
+        </p:style>
+        <p:txBody>
+          <a:bodyPr rtlCol="0" anchor="ctr"/>
+          <a:lstStyle/>
+          <a:p>
+            <a:pPr algn="ctr"/>
+            <a:r>
+              <a:rPr lang="de-DE" dirty="0">
+                <a:latin typeface="Calibri" panose="020F0502020204030204" pitchFamily="34" charset="0"/>
+                <a:ea typeface="Calibri" panose="020F0502020204030204" pitchFamily="34" charset="0"/>
+                <a:cs typeface="Calibri" panose="020F0502020204030204" pitchFamily="34" charset="0"/>
+              </a:rPr>
+              <a:t>HDFS Data Node 2</a:t>
+            </a:r>
+          </a:p>
+        </p:txBody>
+      </p:sp>
+      <p:sp>
+        <p:nvSpPr>
+          <p:cNvPr id="16" name="Rechteck 15">
+            <a:extLst>
+              <a:ext uri="{FF2B5EF4-FFF2-40B4-BE49-F238E27FC236}">
+                <a16:creationId xmlns:a16="http://schemas.microsoft.com/office/drawing/2014/main" id="{A747A3E5-6BC6-230E-CD6E-815A8A3F8C9F}"/>
+              </a:ext>
+            </a:extLst>
+          </p:cNvPr>
+          <p:cNvSpPr/>
+          <p:nvPr/>
+        </p:nvSpPr>
+        <p:spPr>
+          <a:xfrm>
+            <a:off x="10389162" y="5340337"/>
+            <a:ext cx="1652558" cy="1340093"/>
+          </a:xfrm>
+          <a:prstGeom prst="rect">
+            <a:avLst/>
+          </a:prstGeom>
+          <a:ln>
+            <a:solidFill>
+              <a:schemeClr val="tx1"/>
+            </a:solidFill>
+          </a:ln>
+        </p:spPr>
+        <p:style>
+          <a:lnRef idx="2">
+            <a:schemeClr val="accent1"/>
+          </a:lnRef>
+          <a:fillRef idx="1">
+            <a:schemeClr val="lt1"/>
+          </a:fillRef>
+          <a:effectRef idx="0">
+            <a:schemeClr val="accent1"/>
+          </a:effectRef>
+          <a:fontRef idx="minor">
+            <a:schemeClr val="dk1"/>
+          </a:fontRef>
+        </p:style>
+        <p:txBody>
+          <a:bodyPr rtlCol="0" anchor="ctr"/>
+          <a:lstStyle/>
+          <a:p>
+            <a:pPr algn="ctr"/>
+            <a:r>
+              <a:rPr lang="de-DE" dirty="0">
+                <a:latin typeface="Calibri" panose="020F0502020204030204" pitchFamily="34" charset="0"/>
+                <a:ea typeface="Calibri" panose="020F0502020204030204" pitchFamily="34" charset="0"/>
+                <a:cs typeface="Calibri" panose="020F0502020204030204" pitchFamily="34" charset="0"/>
+              </a:rPr>
+              <a:t>HDFS Data Node 3</a:t>
+            </a:r>
+          </a:p>
+        </p:txBody>
+      </p:sp>
       <p:cxnSp>
         <p:nvCxnSpPr>
-          <p:cNvPr id="3" name="Gerade Verbindung mit Pfeil 2">
-            <a:extLst>
-              <a:ext uri="{FF2B5EF4-FFF2-40B4-BE49-F238E27FC236}">
-                <a16:creationId xmlns:a16="http://schemas.microsoft.com/office/drawing/2014/main" id="{25549A75-B6EB-C1DF-C54F-B1962CE5BC7C}"/>
+          <p:cNvPr id="19" name="Gerade Verbindung mit Pfeil 18">
+            <a:extLst>
+              <a:ext uri="{FF2B5EF4-FFF2-40B4-BE49-F238E27FC236}">
+                <a16:creationId xmlns:a16="http://schemas.microsoft.com/office/drawing/2014/main" id="{7631F2F3-79E0-7D0B-32C9-12AC01A19B0E}"/>
               </a:ext>
             </a:extLst>
           </p:cNvPr>
           <p:cNvCxnSpPr>
             <a:cxnSpLocks/>
-            <a:stCxn id="22" idx="3"/>
-            <a:endCxn id="14" idx="2"/>
+            <a:stCxn id="14" idx="3"/>
+            <a:endCxn id="10" idx="1"/>
           </p:cNvCxnSpPr>
           <p:nvPr/>
         </p:nvCxnSpPr>
         <p:spPr>
           <a:xfrm flipV="1">
-            <a:off x="7801367" y="2278673"/>
-            <a:ext cx="1947190" cy="1750603"/>
+            <a:off x="10179301" y="1751661"/>
+            <a:ext cx="209861" cy="3438"/>
           </a:xfrm>
           <a:prstGeom prst="straightConnector1">
             <a:avLst/>
@@ -4285,34 +5707,164 @@
           </a:fontRef>
         </p:style>
       </p:cxnSp>
+      <p:sp>
+        <p:nvSpPr>
+          <p:cNvPr id="8" name="Textfeld 7">
+            <a:extLst>
+              <a:ext uri="{FF2B5EF4-FFF2-40B4-BE49-F238E27FC236}">
+                <a16:creationId xmlns:a16="http://schemas.microsoft.com/office/drawing/2014/main" id="{E838958C-B26A-9425-A47F-9B56D7B1A99D}"/>
+              </a:ext>
+            </a:extLst>
+          </p:cNvPr>
+          <p:cNvSpPr txBox="1"/>
+          <p:nvPr/>
+        </p:nvSpPr>
+        <p:spPr>
+          <a:xfrm>
+            <a:off x="1668042" y="1397907"/>
+            <a:ext cx="843117" cy="369332"/>
+          </a:xfrm>
+          <a:prstGeom prst="rect">
+            <a:avLst/>
+          </a:prstGeom>
+          <a:noFill/>
+        </p:spPr>
+        <p:txBody>
+          <a:bodyPr wrap="square" rtlCol="0">
+            <a:spAutoFit/>
+          </a:bodyPr>
+          <a:lstStyle/>
+          <a:p>
+            <a:r>
+              <a:rPr lang="de-DE" i="1" dirty="0" err="1">
+                <a:latin typeface="Calibri" panose="020F0502020204030204" pitchFamily="34" charset="0"/>
+                <a:ea typeface="Calibri" panose="020F0502020204030204" pitchFamily="34" charset="0"/>
+                <a:cs typeface="Calibri" panose="020F0502020204030204" pitchFamily="34" charset="0"/>
+              </a:rPr>
+              <a:t>Ingest</a:t>
+            </a:r>
+            <a:endParaRPr lang="de-DE" i="1" dirty="0">
+              <a:latin typeface="Calibri" panose="020F0502020204030204" pitchFamily="34" charset="0"/>
+              <a:ea typeface="Calibri" panose="020F0502020204030204" pitchFamily="34" charset="0"/>
+              <a:cs typeface="Calibri" panose="020F0502020204030204" pitchFamily="34" charset="0"/>
+            </a:endParaRPr>
+          </a:p>
+        </p:txBody>
+      </p:sp>
+      <p:sp>
+        <p:nvSpPr>
+          <p:cNvPr id="37" name="Textfeld 36">
+            <a:extLst>
+              <a:ext uri="{FF2B5EF4-FFF2-40B4-BE49-F238E27FC236}">
+                <a16:creationId xmlns:a16="http://schemas.microsoft.com/office/drawing/2014/main" id="{27047A00-9417-A862-30B4-E4840C0E2184}"/>
+              </a:ext>
+            </a:extLst>
+          </p:cNvPr>
+          <p:cNvSpPr txBox="1"/>
+          <p:nvPr/>
+        </p:nvSpPr>
+        <p:spPr>
+          <a:xfrm>
+            <a:off x="4142398" y="1412650"/>
+            <a:ext cx="1553487" cy="369332"/>
+          </a:xfrm>
+          <a:prstGeom prst="rect">
+            <a:avLst/>
+          </a:prstGeom>
+          <a:noFill/>
+        </p:spPr>
+        <p:txBody>
+          <a:bodyPr wrap="square" rtlCol="0">
+            <a:spAutoFit/>
+          </a:bodyPr>
+          <a:lstStyle/>
+          <a:p>
+            <a:r>
+              <a:rPr lang="de-DE" i="1" dirty="0">
+                <a:latin typeface="Calibri" panose="020F0502020204030204" pitchFamily="34" charset="0"/>
+                <a:ea typeface="Calibri" panose="020F0502020204030204" pitchFamily="34" charset="0"/>
+                <a:cs typeface="Calibri" panose="020F0502020204030204" pitchFamily="34" charset="0"/>
+              </a:rPr>
+              <a:t>Stream Data</a:t>
+            </a:r>
+          </a:p>
+        </p:txBody>
+      </p:sp>
+      <p:sp>
+        <p:nvSpPr>
+          <p:cNvPr id="40" name="Textfeld 39">
+            <a:extLst>
+              <a:ext uri="{FF2B5EF4-FFF2-40B4-BE49-F238E27FC236}">
+                <a16:creationId xmlns:a16="http://schemas.microsoft.com/office/drawing/2014/main" id="{076E0A3F-5C4E-164E-103F-69F60A9CDB4A}"/>
+              </a:ext>
+            </a:extLst>
+          </p:cNvPr>
+          <p:cNvSpPr txBox="1"/>
+          <p:nvPr/>
+        </p:nvSpPr>
+        <p:spPr>
+          <a:xfrm>
+            <a:off x="7155205" y="1412650"/>
+            <a:ext cx="1553487" cy="369332"/>
+          </a:xfrm>
+          <a:prstGeom prst="rect">
+            <a:avLst/>
+          </a:prstGeom>
+          <a:noFill/>
+        </p:spPr>
+        <p:txBody>
+          <a:bodyPr wrap="square" rtlCol="0">
+            <a:spAutoFit/>
+          </a:bodyPr>
+          <a:lstStyle/>
+          <a:p>
+            <a:r>
+              <a:rPr lang="de-DE" i="1" dirty="0" err="1">
+                <a:latin typeface="Calibri" panose="020F0502020204030204" pitchFamily="34" charset="0"/>
+                <a:ea typeface="Calibri" panose="020F0502020204030204" pitchFamily="34" charset="0"/>
+                <a:cs typeface="Calibri" panose="020F0502020204030204" pitchFamily="34" charset="0"/>
+              </a:rPr>
+              <a:t>Process</a:t>
+            </a:r>
+            <a:r>
+              <a:rPr lang="de-DE" i="1" dirty="0">
+                <a:latin typeface="Calibri" panose="020F0502020204030204" pitchFamily="34" charset="0"/>
+                <a:ea typeface="Calibri" panose="020F0502020204030204" pitchFamily="34" charset="0"/>
+                <a:cs typeface="Calibri" panose="020F0502020204030204" pitchFamily="34" charset="0"/>
+              </a:rPr>
+              <a:t> Data</a:t>
+            </a:r>
+          </a:p>
+        </p:txBody>
+      </p:sp>
       <p:cxnSp>
         <p:nvCxnSpPr>
-          <p:cNvPr id="5" name="Gerade Verbindung mit Pfeil 4">
-            <a:extLst>
-              <a:ext uri="{FF2B5EF4-FFF2-40B4-BE49-F238E27FC236}">
-                <a16:creationId xmlns:a16="http://schemas.microsoft.com/office/drawing/2014/main" id="{C4E20790-7A4A-A1E3-AA3B-45273837A74A}"/>
+          <p:cNvPr id="100" name="Verbinder: gewinkelt 99">
+            <a:extLst>
+              <a:ext uri="{FF2B5EF4-FFF2-40B4-BE49-F238E27FC236}">
+                <a16:creationId xmlns:a16="http://schemas.microsoft.com/office/drawing/2014/main" id="{319B1F8F-CB95-C5F4-9E28-8C9A4146770B}"/>
               </a:ext>
             </a:extLst>
           </p:cNvPr>
           <p:cNvCxnSpPr>
-            <a:cxnSpLocks/>
-            <a:stCxn id="23" idx="3"/>
-            <a:endCxn id="14" idx="2"/>
+            <a:stCxn id="14" idx="2"/>
+            <a:endCxn id="11" idx="1"/>
           </p:cNvCxnSpPr>
           <p:nvPr/>
         </p:nvCxnSpPr>
         <p:spPr>
-          <a:xfrm flipV="1">
-            <a:off x="7801367" y="2278673"/>
-            <a:ext cx="1947190" cy="3731711"/>
+          <a:xfrm rot="16200000" flipH="1">
+            <a:off x="9048602" y="2729565"/>
+            <a:ext cx="1644981" cy="1036140"/>
           </a:xfrm>
-          <a:prstGeom prst="straightConnector1">
+          <a:prstGeom prst="bentConnector2">
             <a:avLst/>
           </a:prstGeom>
           <a:ln w="25400">
             <a:solidFill>
               <a:schemeClr val="tx1"/>
             </a:solidFill>
+            <a:prstDash val="dash"/>
             <a:tailEnd type="triangle"/>
           </a:ln>
         </p:spPr>
@@ -4331,105 +5883,47 @@
           </a:fontRef>
         </p:style>
       </p:cxnSp>
-      <p:sp>
-        <p:nvSpPr>
-          <p:cNvPr id="4" name="Rechteck 3">
-            <a:extLst>
-              <a:ext uri="{FF2B5EF4-FFF2-40B4-BE49-F238E27FC236}">
-                <a16:creationId xmlns:a16="http://schemas.microsoft.com/office/drawing/2014/main" id="{89095407-A590-A269-5511-8DB6669C3D47}"/>
-              </a:ext>
-            </a:extLst>
-          </p:cNvPr>
-          <p:cNvSpPr/>
+      <p:cxnSp>
+        <p:nvCxnSpPr>
+          <p:cNvPr id="103" name="Verbinder: gewinkelt 102">
+            <a:extLst>
+              <a:ext uri="{FF2B5EF4-FFF2-40B4-BE49-F238E27FC236}">
+                <a16:creationId xmlns:a16="http://schemas.microsoft.com/office/drawing/2014/main" id="{8F225D0A-AE35-35D0-18F3-29CA0CA11EEE}"/>
+              </a:ext>
+            </a:extLst>
+          </p:cNvPr>
+          <p:cNvCxnSpPr>
+            <a:cxnSpLocks/>
+            <a:stCxn id="14" idx="2"/>
+            <a:endCxn id="16" idx="1"/>
+          </p:cNvCxnSpPr>
           <p:nvPr/>
-        </p:nvSpPr>
+        </p:nvCxnSpPr>
         <p:spPr>
-          <a:xfrm>
-            <a:off x="288981" y="864442"/>
-            <a:ext cx="1964344" cy="1488370"/>
+          <a:xfrm rot="16200000" flipH="1">
+            <a:off x="8078473" y="3699694"/>
+            <a:ext cx="3585239" cy="1036140"/>
           </a:xfrm>
-          <a:prstGeom prst="rect">
+          <a:prstGeom prst="bentConnector2">
             <a:avLst/>
           </a:prstGeom>
-          <a:ln>
+          <a:ln w="25400">
             <a:solidFill>
               <a:schemeClr val="tx1"/>
             </a:solidFill>
+            <a:prstDash val="dash"/>
+            <a:tailEnd type="triangle"/>
           </a:ln>
         </p:spPr>
         <p:style>
           <a:lnRef idx="2">
             <a:schemeClr val="accent1"/>
           </a:lnRef>
-          <a:fillRef idx="1">
-            <a:schemeClr val="lt1"/>
+          <a:fillRef idx="0">
+            <a:schemeClr val="accent1"/>
           </a:fillRef>
-          <a:effectRef idx="0">
+          <a:effectRef idx="1">
             <a:schemeClr val="accent1"/>
-          </a:effectRef>
-          <a:fontRef idx="minor">
-            <a:schemeClr val="dk1"/>
-          </a:fontRef>
-        </p:style>
-        <p:txBody>
-          <a:bodyPr rtlCol="0" anchor="ctr"/>
-          <a:lstStyle/>
-          <a:p>
-            <a:pPr algn="ctr"/>
-            <a:r>
-              <a:rPr lang="de-DE" dirty="0">
-                <a:latin typeface="Calibri" panose="020F0502020204030204" pitchFamily="34" charset="0"/>
-                <a:ea typeface="Calibri" panose="020F0502020204030204" pitchFamily="34" charset="0"/>
-                <a:cs typeface="Calibri" panose="020F0502020204030204" pitchFamily="34" charset="0"/>
-              </a:rPr>
-              <a:t>Input (Temperaturdaten Deutschland 1996-2021)</a:t>
-            </a:r>
-          </a:p>
-        </p:txBody>
-      </p:sp>
-      <p:cxnSp>
-        <p:nvCxnSpPr>
-          <p:cNvPr id="6" name="Gerade Verbindung mit Pfeil 5">
-            <a:extLst>
-              <a:ext uri="{FF2B5EF4-FFF2-40B4-BE49-F238E27FC236}">
-                <a16:creationId xmlns:a16="http://schemas.microsoft.com/office/drawing/2014/main" id="{E27E60BB-77A0-F09A-C105-344EE85CFCBE}"/>
-              </a:ext>
-            </a:extLst>
-          </p:cNvPr>
-          <p:cNvCxnSpPr>
-            <a:cxnSpLocks/>
-            <a:stCxn id="4" idx="3"/>
-            <a:endCxn id="12" idx="1"/>
-          </p:cNvCxnSpPr>
-          <p:nvPr/>
-        </p:nvCxnSpPr>
-        <p:spPr>
-          <a:xfrm>
-            <a:off x="2253325" y="1608627"/>
-            <a:ext cx="1098915" cy="0"/>
-          </a:xfrm>
-          <a:prstGeom prst="straightConnector1">
-            <a:avLst/>
-          </a:prstGeom>
-          <a:ln w="25400" cap="flat" cmpd="sng" algn="ctr">
-            <a:solidFill>
-              <a:schemeClr val="tx1"/>
-            </a:solidFill>
-            <a:prstDash val="solid"/>
-            <a:round/>
-            <a:headEnd type="none" w="med" len="med"/>
-            <a:tailEnd type="arrow" w="med" len="med"/>
-          </a:ln>
-        </p:spPr>
-        <p:style>
-          <a:lnRef idx="0">
-            <a:scrgbClr r="0" g="0" b="0"/>
-          </a:lnRef>
-          <a:fillRef idx="0">
-            <a:scrgbClr r="0" g="0" b="0"/>
-          </a:fillRef>
-          <a:effectRef idx="0">
-            <a:scrgbClr r="0" g="0" b="0"/>
           </a:effectRef>
           <a:fontRef idx="minor">
             <a:schemeClr val="tx1"/>
@@ -4438,47 +5932,44 @@
       </p:cxnSp>
       <p:cxnSp>
         <p:nvCxnSpPr>
-          <p:cNvPr id="9" name="Gerade Verbindung mit Pfeil 8">
-            <a:extLst>
-              <a:ext uri="{FF2B5EF4-FFF2-40B4-BE49-F238E27FC236}">
-                <a16:creationId xmlns:a16="http://schemas.microsoft.com/office/drawing/2014/main" id="{949B12B4-C0F6-502B-3A26-F65735574909}"/>
+          <p:cNvPr id="106" name="Verbinder: gewinkelt 105">
+            <a:extLst>
+              <a:ext uri="{FF2B5EF4-FFF2-40B4-BE49-F238E27FC236}">
+                <a16:creationId xmlns:a16="http://schemas.microsoft.com/office/drawing/2014/main" id="{5F73F77F-B8D7-BEAB-1924-182D7EB28DDD}"/>
               </a:ext>
             </a:extLst>
           </p:cNvPr>
           <p:cNvCxnSpPr>
             <a:cxnSpLocks/>
-            <a:stCxn id="4" idx="3"/>
             <a:endCxn id="20" idx="1"/>
           </p:cNvCxnSpPr>
           <p:nvPr/>
         </p:nvCxnSpPr>
         <p:spPr>
-          <a:xfrm>
-            <a:off x="2253325" y="1608627"/>
-            <a:ext cx="1098915" cy="2420373"/>
+          <a:xfrm rot="16200000" flipH="1">
+            <a:off x="880228" y="2411720"/>
+            <a:ext cx="2273898" cy="960662"/>
           </a:xfrm>
-          <a:prstGeom prst="straightConnector1">
+          <a:prstGeom prst="bentConnector2">
             <a:avLst/>
           </a:prstGeom>
-          <a:ln w="25400" cap="flat" cmpd="sng" algn="ctr">
+          <a:ln w="25400">
             <a:solidFill>
               <a:schemeClr val="tx1"/>
             </a:solidFill>
-            <a:prstDash val="solid"/>
-            <a:round/>
-            <a:headEnd type="none" w="med" len="med"/>
-            <a:tailEnd type="arrow" w="med" len="med"/>
+            <a:prstDash val="dash"/>
+            <a:tailEnd type="triangle"/>
           </a:ln>
         </p:spPr>
         <p:style>
-          <a:lnRef idx="0">
-            <a:scrgbClr r="0" g="0" b="0"/>
+          <a:lnRef idx="2">
+            <a:schemeClr val="accent1"/>
           </a:lnRef>
           <a:fillRef idx="0">
-            <a:scrgbClr r="0" g="0" b="0"/>
+            <a:schemeClr val="accent1"/>
           </a:fillRef>
-          <a:effectRef idx="0">
-            <a:scrgbClr r="0" g="0" b="0"/>
+          <a:effectRef idx="1">
+            <a:schemeClr val="accent1"/>
           </a:effectRef>
           <a:fontRef idx="minor">
             <a:schemeClr val="tx1"/>
@@ -4487,98 +5978,101 @@
       </p:cxnSp>
       <p:cxnSp>
         <p:nvCxnSpPr>
-          <p:cNvPr id="15" name="Gerade Verbindung mit Pfeil 14">
-            <a:extLst>
-              <a:ext uri="{FF2B5EF4-FFF2-40B4-BE49-F238E27FC236}">
-                <a16:creationId xmlns:a16="http://schemas.microsoft.com/office/drawing/2014/main" id="{9B2DC451-CE97-DAB4-4744-5366C7DA042B}"/>
+          <p:cNvPr id="109" name="Verbinder: gewinkelt 108">
+            <a:extLst>
+              <a:ext uri="{FF2B5EF4-FFF2-40B4-BE49-F238E27FC236}">
+                <a16:creationId xmlns:a16="http://schemas.microsoft.com/office/drawing/2014/main" id="{D1F6E2C9-9DE7-202B-D82D-75CF3D0A9BF9}"/>
               </a:ext>
             </a:extLst>
           </p:cNvPr>
           <p:cNvCxnSpPr>
             <a:cxnSpLocks/>
-            <a:stCxn id="4" idx="3"/>
             <a:endCxn id="21" idx="1"/>
           </p:cNvCxnSpPr>
           <p:nvPr/>
         </p:nvCxnSpPr>
         <p:spPr>
-          <a:xfrm>
-            <a:off x="2253325" y="1608627"/>
-            <a:ext cx="1098915" cy="4401757"/>
+          <a:xfrm rot="16200000" flipH="1">
+            <a:off x="-112957" y="3399919"/>
+            <a:ext cx="4255284" cy="965646"/>
           </a:xfrm>
-          <a:prstGeom prst="straightConnector1">
+          <a:prstGeom prst="bentConnector2">
             <a:avLst/>
           </a:prstGeom>
-          <a:ln w="25400" cap="flat" cmpd="sng" algn="ctr">
+          <a:ln w="25400">
             <a:solidFill>
               <a:schemeClr val="tx1"/>
             </a:solidFill>
-            <a:prstDash val="solid"/>
-            <a:round/>
-            <a:headEnd type="none" w="med" len="med"/>
-            <a:tailEnd type="arrow" w="med" len="med"/>
+            <a:prstDash val="dash"/>
+            <a:tailEnd type="triangle"/>
           </a:ln>
         </p:spPr>
         <p:style>
-          <a:lnRef idx="0">
-            <a:scrgbClr r="0" g="0" b="0"/>
+          <a:lnRef idx="2">
+            <a:schemeClr val="accent1"/>
           </a:lnRef>
           <a:fillRef idx="0">
-            <a:scrgbClr r="0" g="0" b="0"/>
+            <a:schemeClr val="accent1"/>
           </a:fillRef>
-          <a:effectRef idx="0">
-            <a:scrgbClr r="0" g="0" b="0"/>
+          <a:effectRef idx="1">
+            <a:schemeClr val="accent1"/>
           </a:effectRef>
           <a:fontRef idx="minor">
             <a:schemeClr val="tx1"/>
           </a:fontRef>
         </p:style>
       </p:cxnSp>
-      <p:sp>
-        <p:nvSpPr>
-          <p:cNvPr id="39" name="Textfeld 38">
-            <a:extLst>
-              <a:ext uri="{FF2B5EF4-FFF2-40B4-BE49-F238E27FC236}">
-                <a16:creationId xmlns:a16="http://schemas.microsoft.com/office/drawing/2014/main" id="{A43DD09E-5542-41ED-12BB-268B0D4169F3}"/>
-              </a:ext>
-            </a:extLst>
-          </p:cNvPr>
-          <p:cNvSpPr txBox="1"/>
+      <p:cxnSp>
+        <p:nvCxnSpPr>
+          <p:cNvPr id="118" name="Verbinder: gewinkelt 117">
+            <a:extLst>
+              <a:ext uri="{FF2B5EF4-FFF2-40B4-BE49-F238E27FC236}">
+                <a16:creationId xmlns:a16="http://schemas.microsoft.com/office/drawing/2014/main" id="{5FC50CAB-3C47-B2B4-B507-29725344B0C1}"/>
+              </a:ext>
+            </a:extLst>
+          </p:cNvPr>
+          <p:cNvCxnSpPr>
+            <a:cxnSpLocks/>
+            <a:stCxn id="22" idx="3"/>
+          </p:cNvCxnSpPr>
           <p:nvPr/>
-        </p:nvSpPr>
+        </p:nvCxnSpPr>
         <p:spPr>
-          <a:xfrm>
-            <a:off x="21728" y="4694006"/>
-            <a:ext cx="2778509" cy="646331"/>
+          <a:xfrm flipV="1">
+            <a:off x="7200911" y="1781982"/>
+            <a:ext cx="573123" cy="2247294"/>
           </a:xfrm>
-          <a:prstGeom prst="rect">
+          <a:prstGeom prst="bentConnector2">
             <a:avLst/>
           </a:prstGeom>
-          <a:noFill/>
+          <a:ln w="25400">
+            <a:solidFill>
+              <a:schemeClr val="tx1"/>
+            </a:solidFill>
+            <a:prstDash val="dash"/>
+          </a:ln>
         </p:spPr>
-        <p:txBody>
-          <a:bodyPr wrap="square" rtlCol="0">
-            <a:spAutoFit/>
-          </a:bodyPr>
-          <a:lstStyle/>
-          <a:p>
-            <a:r>
-              <a:rPr lang="de-DE" dirty="0">
-                <a:latin typeface="Calibri" panose="020F0502020204030204" pitchFamily="34" charset="0"/>
-                <a:ea typeface="Calibri" panose="020F0502020204030204" pitchFamily="34" charset="0"/>
-                <a:cs typeface="Calibri" panose="020F0502020204030204" pitchFamily="34" charset="0"/>
-              </a:rPr>
-              <a:t>Horizontale Skalierung der Komponenten möglich…</a:t>
-            </a:r>
-          </a:p>
-        </p:txBody>
-      </p:sp>
+        <p:style>
+          <a:lnRef idx="2">
+            <a:schemeClr val="accent1"/>
+          </a:lnRef>
+          <a:fillRef idx="0">
+            <a:schemeClr val="accent1"/>
+          </a:fillRef>
+          <a:effectRef idx="1">
+            <a:schemeClr val="accent1"/>
+          </a:effectRef>
+          <a:fontRef idx="minor">
+            <a:schemeClr val="tx1"/>
+          </a:fontRef>
+        </p:style>
+      </p:cxnSp>
       <p:cxnSp>
         <p:nvCxnSpPr>
-          <p:cNvPr id="128" name="Gerader Verbinder 127">
-            <a:extLst>
-              <a:ext uri="{FF2B5EF4-FFF2-40B4-BE49-F238E27FC236}">
-                <a16:creationId xmlns:a16="http://schemas.microsoft.com/office/drawing/2014/main" id="{4703D47D-EDE8-1AC9-1E30-A1B7AD02F888}"/>
+          <p:cNvPr id="119" name="Verbinder: gewinkelt 118">
+            <a:extLst>
+              <a:ext uri="{FF2B5EF4-FFF2-40B4-BE49-F238E27FC236}">
+                <a16:creationId xmlns:a16="http://schemas.microsoft.com/office/drawing/2014/main" id="{3389CB32-9B54-B42A-82B1-9B92C113DF7B}"/>
               </a:ext>
             </a:extLst>
           </p:cNvPr>
@@ -4588,17 +6082,18 @@
           <p:nvPr/>
         </p:nvCxnSpPr>
         <p:spPr>
-          <a:xfrm>
-            <a:off x="2802782" y="2514600"/>
-            <a:ext cx="8313656" cy="0"/>
+          <a:xfrm flipV="1">
+            <a:off x="7216895" y="4019254"/>
+            <a:ext cx="557140" cy="1976313"/>
           </a:xfrm>
-          <a:prstGeom prst="line">
+          <a:prstGeom prst="bentConnector2">
             <a:avLst/>
           </a:prstGeom>
-          <a:ln w="41275">
+          <a:ln w="25400">
             <a:solidFill>
               <a:schemeClr val="tx1"/>
             </a:solidFill>
+            <a:prstDash val="dash"/>
           </a:ln>
         </p:spPr>
         <p:style>
@@ -4942,4 +6437,319 @@
     </a:ext>
   </a:extLst>
 </a:theme>
+</file>
+
+<file path=ppt/theme/theme2.xml><?xml version="1.0" encoding="utf-8"?>
+<a:theme xmlns:a="http://schemas.openxmlformats.org/drawingml/2006/main" name="Office">
+  <a:themeElements>
+    <a:clrScheme name="Office">
+      <a:dk1>
+        <a:sysClr val="windowText" lastClr="000000"/>
+      </a:dk1>
+      <a:lt1>
+        <a:sysClr val="window" lastClr="FFFFFF"/>
+      </a:lt1>
+      <a:dk2>
+        <a:srgbClr val="0E2841"/>
+      </a:dk2>
+      <a:lt2>
+        <a:srgbClr val="E8E8E8"/>
+      </a:lt2>
+      <a:accent1>
+        <a:srgbClr val="156082"/>
+      </a:accent1>
+      <a:accent2>
+        <a:srgbClr val="E97132"/>
+      </a:accent2>
+      <a:accent3>
+        <a:srgbClr val="196B24"/>
+      </a:accent3>
+      <a:accent4>
+        <a:srgbClr val="0F9ED5"/>
+      </a:accent4>
+      <a:accent5>
+        <a:srgbClr val="A02B93"/>
+      </a:accent5>
+      <a:accent6>
+        <a:srgbClr val="4EA72E"/>
+      </a:accent6>
+      <a:hlink>
+        <a:srgbClr val="467886"/>
+      </a:hlink>
+      <a:folHlink>
+        <a:srgbClr val="96607D"/>
+      </a:folHlink>
+    </a:clrScheme>
+    <a:fontScheme name="Office">
+      <a:majorFont>
+        <a:latin typeface="Aptos Display" panose="02110004020202020204"/>
+        <a:ea typeface=""/>
+        <a:cs typeface=""/>
+        <a:font script="Jpan" typeface="游ゴシック Light"/>
+        <a:font script="Hang" typeface="맑은 고딕"/>
+        <a:font script="Hans" typeface="等线 Light"/>
+        <a:font script="Hant" typeface="新細明體"/>
+        <a:font script="Arab" typeface="Times New Roman"/>
+        <a:font script="Hebr" typeface="Times New Roman"/>
+        <a:font script="Thai" typeface="Angsana New"/>
+        <a:font script="Ethi" typeface="Nyala"/>
+        <a:font script="Beng" typeface="Vrinda"/>
+        <a:font script="Gujr" typeface="Shruti"/>
+        <a:font script="Khmr" typeface="MoolBoran"/>
+        <a:font script="Knda" typeface="Tunga"/>
+        <a:font script="Guru" typeface="Raavi"/>
+        <a:font script="Cans" typeface="Euphemia"/>
+        <a:font script="Cher" typeface="Plantagenet Cherokee"/>
+        <a:font script="Yiii" typeface="Microsoft Yi Baiti"/>
+        <a:font script="Tibt" typeface="Microsoft Himalaya"/>
+        <a:font script="Thaa" typeface="MV Boli"/>
+        <a:font script="Deva" typeface="Mangal"/>
+        <a:font script="Telu" typeface="Gautami"/>
+        <a:font script="Taml" typeface="Latha"/>
+        <a:font script="Syrc" typeface="Estrangelo Edessa"/>
+        <a:font script="Orya" typeface="Kalinga"/>
+        <a:font script="Mlym" typeface="Kartika"/>
+        <a:font script="Laoo" typeface="DokChampa"/>
+        <a:font script="Sinh" typeface="Iskoola Pota"/>
+        <a:font script="Mong" typeface="Mongolian Baiti"/>
+        <a:font script="Viet" typeface="Times New Roman"/>
+        <a:font script="Uigh" typeface="Microsoft Uighur"/>
+        <a:font script="Geor" typeface="Sylfaen"/>
+        <a:font script="Armn" typeface="Arial"/>
+        <a:font script="Bugi" typeface="Leelawadee UI"/>
+        <a:font script="Bopo" typeface="Microsoft JhengHei"/>
+        <a:font script="Java" typeface="Javanese Text"/>
+        <a:font script="Lisu" typeface="Segoe UI"/>
+        <a:font script="Mymr" typeface="Myanmar Text"/>
+        <a:font script="Nkoo" typeface="Ebrima"/>
+        <a:font script="Olck" typeface="Nirmala UI"/>
+        <a:font script="Osma" typeface="Ebrima"/>
+        <a:font script="Phag" typeface="Phagspa"/>
+        <a:font script="Syrn" typeface="Estrangelo Edessa"/>
+        <a:font script="Syrj" typeface="Estrangelo Edessa"/>
+        <a:font script="Syre" typeface="Estrangelo Edessa"/>
+        <a:font script="Sora" typeface="Nirmala UI"/>
+        <a:font script="Tale" typeface="Microsoft Tai Le"/>
+        <a:font script="Talu" typeface="Microsoft New Tai Lue"/>
+        <a:font script="Tfng" typeface="Ebrima"/>
+      </a:majorFont>
+      <a:minorFont>
+        <a:latin typeface="Aptos" panose="02110004020202020204"/>
+        <a:ea typeface=""/>
+        <a:cs typeface=""/>
+        <a:font script="Jpan" typeface="游ゴシック"/>
+        <a:font script="Hang" typeface="맑은 고딕"/>
+        <a:font script="Hans" typeface="等线"/>
+        <a:font script="Hant" typeface="新細明體"/>
+        <a:font script="Arab" typeface="Arial"/>
+        <a:font script="Hebr" typeface="Arial"/>
+        <a:font script="Thai" typeface="Cordia New"/>
+        <a:font script="Ethi" typeface="Nyala"/>
+        <a:font script="Beng" typeface="Vrinda"/>
+        <a:font script="Gujr" typeface="Shruti"/>
+        <a:font script="Khmr" typeface="DaunPenh"/>
+        <a:font script="Knda" typeface="Tunga"/>
+        <a:font script="Guru" typeface="Raavi"/>
+        <a:font script="Cans" typeface="Euphemia"/>
+        <a:font script="Cher" typeface="Plantagenet Cherokee"/>
+        <a:font script="Yiii" typeface="Microsoft Yi Baiti"/>
+        <a:font script="Tibt" typeface="Microsoft Himalaya"/>
+        <a:font script="Thaa" typeface="MV Boli"/>
+        <a:font script="Deva" typeface="Mangal"/>
+        <a:font script="Telu" typeface="Gautami"/>
+        <a:font script="Taml" typeface="Latha"/>
+        <a:font script="Syrc" typeface="Estrangelo Edessa"/>
+        <a:font script="Orya" typeface="Kalinga"/>
+        <a:font script="Mlym" typeface="Kartika"/>
+        <a:font script="Laoo" typeface="DokChampa"/>
+        <a:font script="Sinh" typeface="Iskoola Pota"/>
+        <a:font script="Mong" typeface="Mongolian Baiti"/>
+        <a:font script="Viet" typeface="Arial"/>
+        <a:font script="Uigh" typeface="Microsoft Uighur"/>
+        <a:font script="Geor" typeface="Sylfaen"/>
+        <a:font script="Armn" typeface="Arial"/>
+        <a:font script="Bugi" typeface="Leelawadee UI"/>
+        <a:font script="Bopo" typeface="Microsoft JhengHei"/>
+        <a:font script="Java" typeface="Javanese Text"/>
+        <a:font script="Lisu" typeface="Segoe UI"/>
+        <a:font script="Mymr" typeface="Myanmar Text"/>
+        <a:font script="Nkoo" typeface="Ebrima"/>
+        <a:font script="Olck" typeface="Nirmala UI"/>
+        <a:font script="Osma" typeface="Ebrima"/>
+        <a:font script="Phag" typeface="Phagspa"/>
+        <a:font script="Syrn" typeface="Estrangelo Edessa"/>
+        <a:font script="Syrj" typeface="Estrangelo Edessa"/>
+        <a:font script="Syre" typeface="Estrangelo Edessa"/>
+        <a:font script="Sora" typeface="Nirmala UI"/>
+        <a:font script="Tale" typeface="Microsoft Tai Le"/>
+        <a:font script="Talu" typeface="Microsoft New Tai Lue"/>
+        <a:font script="Tfng" typeface="Ebrima"/>
+      </a:minorFont>
+    </a:fontScheme>
+    <a:fmtScheme name="Office">
+      <a:fillStyleLst>
+        <a:solidFill>
+          <a:schemeClr val="phClr"/>
+        </a:solidFill>
+        <a:gradFill rotWithShape="1">
+          <a:gsLst>
+            <a:gs pos="0">
+              <a:schemeClr val="phClr">
+                <a:lumMod val="110000"/>
+                <a:satMod val="105000"/>
+                <a:tint val="67000"/>
+              </a:schemeClr>
+            </a:gs>
+            <a:gs pos="50000">
+              <a:schemeClr val="phClr">
+                <a:lumMod val="105000"/>
+                <a:satMod val="103000"/>
+                <a:tint val="73000"/>
+              </a:schemeClr>
+            </a:gs>
+            <a:gs pos="100000">
+              <a:schemeClr val="phClr">
+                <a:lumMod val="105000"/>
+                <a:satMod val="109000"/>
+                <a:tint val="81000"/>
+              </a:schemeClr>
+            </a:gs>
+          </a:gsLst>
+          <a:lin ang="5400000" scaled="0"/>
+        </a:gradFill>
+        <a:gradFill rotWithShape="1">
+          <a:gsLst>
+            <a:gs pos="0">
+              <a:schemeClr val="phClr">
+                <a:satMod val="103000"/>
+                <a:lumMod val="102000"/>
+                <a:tint val="94000"/>
+              </a:schemeClr>
+            </a:gs>
+            <a:gs pos="50000">
+              <a:schemeClr val="phClr">
+                <a:satMod val="110000"/>
+                <a:lumMod val="100000"/>
+                <a:shade val="100000"/>
+              </a:schemeClr>
+            </a:gs>
+            <a:gs pos="100000">
+              <a:schemeClr val="phClr">
+                <a:lumMod val="99000"/>
+                <a:satMod val="120000"/>
+                <a:shade val="78000"/>
+              </a:schemeClr>
+            </a:gs>
+          </a:gsLst>
+          <a:lin ang="5400000" scaled="0"/>
+        </a:gradFill>
+      </a:fillStyleLst>
+      <a:lnStyleLst>
+        <a:ln w="12700" cap="flat" cmpd="sng" algn="ctr">
+          <a:solidFill>
+            <a:schemeClr val="phClr"/>
+          </a:solidFill>
+          <a:prstDash val="solid"/>
+          <a:miter lim="800000"/>
+        </a:ln>
+        <a:ln w="19050" cap="flat" cmpd="sng" algn="ctr">
+          <a:solidFill>
+            <a:schemeClr val="phClr"/>
+          </a:solidFill>
+          <a:prstDash val="solid"/>
+          <a:miter lim="800000"/>
+        </a:ln>
+        <a:ln w="25400" cap="flat" cmpd="sng" algn="ctr">
+          <a:solidFill>
+            <a:schemeClr val="phClr"/>
+          </a:solidFill>
+          <a:prstDash val="solid"/>
+          <a:miter lim="800000"/>
+        </a:ln>
+      </a:lnStyleLst>
+      <a:effectStyleLst>
+        <a:effectStyle>
+          <a:effectLst/>
+        </a:effectStyle>
+        <a:effectStyle>
+          <a:effectLst/>
+        </a:effectStyle>
+        <a:effectStyle>
+          <a:effectLst>
+            <a:outerShdw blurRad="57150" dist="19050" dir="5400000" algn="ctr" rotWithShape="0">
+              <a:srgbClr val="000000">
+                <a:alpha val="63000"/>
+              </a:srgbClr>
+            </a:outerShdw>
+          </a:effectLst>
+        </a:effectStyle>
+      </a:effectStyleLst>
+      <a:bgFillStyleLst>
+        <a:solidFill>
+          <a:schemeClr val="phClr"/>
+        </a:solidFill>
+        <a:solidFill>
+          <a:schemeClr val="phClr">
+            <a:tint val="95000"/>
+            <a:satMod val="170000"/>
+          </a:schemeClr>
+        </a:solidFill>
+        <a:gradFill rotWithShape="1">
+          <a:gsLst>
+            <a:gs pos="0">
+              <a:schemeClr val="phClr">
+                <a:tint val="93000"/>
+                <a:satMod val="150000"/>
+                <a:shade val="98000"/>
+                <a:lumMod val="102000"/>
+              </a:schemeClr>
+            </a:gs>
+            <a:gs pos="50000">
+              <a:schemeClr val="phClr">
+                <a:tint val="98000"/>
+                <a:satMod val="130000"/>
+                <a:shade val="90000"/>
+                <a:lumMod val="103000"/>
+              </a:schemeClr>
+            </a:gs>
+            <a:gs pos="100000">
+              <a:schemeClr val="phClr">
+                <a:shade val="63000"/>
+                <a:satMod val="120000"/>
+              </a:schemeClr>
+            </a:gs>
+          </a:gsLst>
+          <a:lin ang="5400000" scaled="0"/>
+        </a:gradFill>
+      </a:bgFillStyleLst>
+    </a:fmtScheme>
+  </a:themeElements>
+  <a:objectDefaults>
+    <a:lnDef>
+      <a:spPr/>
+      <a:bodyPr/>
+      <a:lstStyle/>
+      <a:style>
+        <a:lnRef idx="2">
+          <a:schemeClr val="accent1"/>
+        </a:lnRef>
+        <a:fillRef idx="0">
+          <a:schemeClr val="accent1"/>
+        </a:fillRef>
+        <a:effectRef idx="1">
+          <a:schemeClr val="accent1"/>
+        </a:effectRef>
+        <a:fontRef idx="minor">
+          <a:schemeClr val="tx1"/>
+        </a:fontRef>
+      </a:style>
+    </a:lnDef>
+  </a:objectDefaults>
+  <a:extraClrSchemeLst/>
+  <a:extLst>
+    <a:ext uri="{05A4C25C-085E-4340-85A3-A5531E510DB2}">
+      <thm15:themeFamily xmlns:thm15="http://schemas.microsoft.com/office/thememl/2012/main" name="Office Theme" id="{2E142A2C-CD16-42D6-873A-C26D2A0506FA}" vid="{1BDDFF52-6CD6-40A5-AB3C-68EB2F1E4D0A}"/>
+    </a:ext>
+  </a:extLst>
+</a:theme>
 </file>
--- a/Phase 1/Flowchart Data Engineering.pptx
+++ b/Phase 1/Flowchart Data Engineering.pptx
@@ -3776,8 +3776,8 @@
         </p:nvSpPr>
         <p:spPr>
           <a:xfrm>
-            <a:off x="4909979" y="250860"/>
-            <a:ext cx="3433932" cy="6572250"/>
+            <a:off x="4909979" y="151800"/>
+            <a:ext cx="3125986" cy="6572250"/>
           </a:xfrm>
           <a:prstGeom prst="rect">
             <a:avLst/>
@@ -3786,26 +3786,27 @@
             <a:gsLst>
               <a:gs pos="0">
                 <a:schemeClr val="accent4">
-                  <a:lumMod val="67000"/>
+                  <a:lumMod val="5000"/>
+                  <a:lumOff val="95000"/>
                 </a:schemeClr>
               </a:gs>
-              <a:gs pos="48000">
+              <a:gs pos="74000">
                 <a:schemeClr val="accent4">
-                  <a:lumMod val="97000"/>
-                  <a:lumOff val="3000"/>
+                  <a:lumMod val="45000"/>
+                  <a:lumOff val="55000"/>
                 </a:schemeClr>
               </a:gs>
-              <a:gs pos="100000">
+              <a:gs pos="83000">
                 <a:schemeClr val="accent4">
-                  <a:lumMod val="60000"/>
-                  <a:lumOff val="40000"/>
+                  <a:lumMod val="45000"/>
+                  <a:lumOff val="55000"/>
                 </a:schemeClr>
               </a:gs>
             </a:gsLst>
-            <a:lin ang="16200000" scaled="1"/>
+            <a:lin ang="5400000" scaled="1"/>
             <a:tileRect/>
           </a:gradFill>
-          <a:ln w="15875">
+          <a:ln w="19050">
             <a:solidFill>
               <a:schemeClr val="tx1"/>
             </a:solidFill>
@@ -3853,7 +3854,7 @@
         </p:nvSpPr>
         <p:spPr>
           <a:xfrm>
-            <a:off x="5273814" y="340967"/>
+            <a:off x="5273814" y="241907"/>
             <a:ext cx="2594008" cy="369332"/>
           </a:xfrm>
           <a:prstGeom prst="rect">
@@ -3892,7 +3893,7 @@
         </p:nvSpPr>
         <p:spPr>
           <a:xfrm>
-            <a:off x="1675446" y="250860"/>
+            <a:off x="1675446" y="151800"/>
             <a:ext cx="3250515" cy="6572250"/>
           </a:xfrm>
           <a:prstGeom prst="rect">
@@ -3902,26 +3903,27 @@
             <a:gsLst>
               <a:gs pos="0">
                 <a:schemeClr val="accent4">
-                  <a:lumMod val="67000"/>
+                  <a:lumMod val="5000"/>
+                  <a:lumOff val="95000"/>
                 </a:schemeClr>
               </a:gs>
-              <a:gs pos="48000">
+              <a:gs pos="74000">
                 <a:schemeClr val="accent4">
-                  <a:lumMod val="97000"/>
-                  <a:lumOff val="3000"/>
+                  <a:lumMod val="45000"/>
+                  <a:lumOff val="55000"/>
                 </a:schemeClr>
               </a:gs>
-              <a:gs pos="100000">
+              <a:gs pos="83000">
                 <a:schemeClr val="accent4">
-                  <a:lumMod val="60000"/>
-                  <a:lumOff val="40000"/>
+                  <a:lumMod val="45000"/>
+                  <a:lumOff val="55000"/>
                 </a:schemeClr>
               </a:gs>
             </a:gsLst>
-            <a:lin ang="16200000" scaled="1"/>
+            <a:lin ang="5400000" scaled="1"/>
             <a:tileRect/>
           </a:gradFill>
-          <a:ln w="15875">
+          <a:ln w="19050">
             <a:solidFill>
               <a:schemeClr val="tx1"/>
             </a:solidFill>
@@ -4511,7 +4513,7 @@
         </p:nvSpPr>
         <p:spPr>
           <a:xfrm>
-            <a:off x="2216544" y="344421"/>
+            <a:off x="2216544" y="245361"/>
             <a:ext cx="2419416" cy="369332"/>
           </a:xfrm>
           <a:prstGeom prst="rect">
@@ -4553,8 +4555,8 @@
         </p:nvSpPr>
         <p:spPr>
           <a:xfrm>
-            <a:off x="7970835" y="250860"/>
-            <a:ext cx="4166954" cy="6572250"/>
+            <a:off x="7986819" y="151800"/>
+            <a:ext cx="4150970" cy="6572250"/>
           </a:xfrm>
           <a:prstGeom prst="rect">
             <a:avLst/>
@@ -4563,26 +4565,27 @@
             <a:gsLst>
               <a:gs pos="0">
                 <a:schemeClr val="accent4">
-                  <a:lumMod val="67000"/>
+                  <a:lumMod val="5000"/>
+                  <a:lumOff val="95000"/>
                 </a:schemeClr>
               </a:gs>
-              <a:gs pos="48000">
+              <a:gs pos="74000">
                 <a:schemeClr val="accent4">
-                  <a:lumMod val="97000"/>
-                  <a:lumOff val="3000"/>
+                  <a:lumMod val="45000"/>
+                  <a:lumOff val="55000"/>
                 </a:schemeClr>
               </a:gs>
-              <a:gs pos="100000">
+              <a:gs pos="83000">
                 <a:schemeClr val="accent4">
-                  <a:lumMod val="60000"/>
-                  <a:lumOff val="40000"/>
+                  <a:lumMod val="45000"/>
+                  <a:lumOff val="55000"/>
                 </a:schemeClr>
               </a:gs>
             </a:gsLst>
-            <a:lin ang="16200000" scaled="1"/>
+            <a:lin ang="5400000" scaled="1"/>
             <a:tileRect/>
           </a:gradFill>
-          <a:ln w="15875">
+          <a:ln w="19050">
             <a:solidFill>
               <a:schemeClr val="tx1"/>
             </a:solidFill>
@@ -4630,7 +4633,7 @@
         </p:nvSpPr>
         <p:spPr>
           <a:xfrm>
-            <a:off x="8927154" y="347844"/>
+            <a:off x="8927154" y="248784"/>
             <a:ext cx="2681601" cy="369332"/>
           </a:xfrm>
           <a:prstGeom prst="rect">
@@ -4685,7 +4688,7 @@
         </p:nvSpPr>
         <p:spPr>
           <a:xfrm>
-            <a:off x="2524809" y="1085053"/>
+            <a:off x="2524809" y="985993"/>
             <a:ext cx="1658529" cy="1340093"/>
           </a:xfrm>
           <a:prstGeom prst="rect">
@@ -4741,7 +4744,7 @@
         </p:nvSpPr>
         <p:spPr>
           <a:xfrm>
-            <a:off x="5548353" y="1097197"/>
+            <a:off x="5548353" y="998137"/>
             <a:ext cx="1652558" cy="1340084"/>
           </a:xfrm>
           <a:prstGeom prst="rect">
@@ -4813,7 +4816,7 @@
         </p:nvSpPr>
         <p:spPr>
           <a:xfrm>
-            <a:off x="8526743" y="1085052"/>
+            <a:off x="8526743" y="985992"/>
             <a:ext cx="1652558" cy="1340093"/>
           </a:xfrm>
           <a:prstGeom prst="rect">
@@ -4873,7 +4876,7 @@
         </p:nvCxnSpPr>
         <p:spPr>
           <a:xfrm>
-            <a:off x="4183338" y="1755100"/>
+            <a:off x="4183338" y="1656040"/>
             <a:ext cx="1365015" cy="12139"/>
           </a:xfrm>
           <a:prstGeom prst="straightConnector1">
@@ -4922,7 +4925,7 @@
         </p:nvCxnSpPr>
         <p:spPr>
           <a:xfrm flipV="1">
-            <a:off x="7200911" y="1755099"/>
+            <a:off x="7200911" y="1656039"/>
             <a:ext cx="1325832" cy="12140"/>
           </a:xfrm>
           <a:prstGeom prst="straightConnector1">
@@ -4967,7 +4970,7 @@
         </p:nvSpPr>
         <p:spPr>
           <a:xfrm>
-            <a:off x="2497508" y="3358953"/>
+            <a:off x="2497508" y="3259893"/>
             <a:ext cx="1658529" cy="1340094"/>
           </a:xfrm>
           <a:prstGeom prst="rect">
@@ -5023,7 +5026,7 @@
         </p:nvSpPr>
         <p:spPr>
           <a:xfrm>
-            <a:off x="2497508" y="5340337"/>
+            <a:off x="2497508" y="5241277"/>
             <a:ext cx="1658529" cy="1340094"/>
           </a:xfrm>
           <a:prstGeom prst="rect">
@@ -5079,7 +5082,7 @@
         </p:nvSpPr>
         <p:spPr>
           <a:xfrm>
-            <a:off x="5548353" y="3359229"/>
+            <a:off x="5548353" y="3260169"/>
             <a:ext cx="1652558" cy="1340094"/>
           </a:xfrm>
           <a:prstGeom prst="rect">
@@ -5151,7 +5154,7 @@
         </p:nvSpPr>
         <p:spPr>
           <a:xfrm>
-            <a:off x="5558365" y="5335266"/>
+            <a:off x="5558365" y="5236206"/>
             <a:ext cx="1658529" cy="1340094"/>
           </a:xfrm>
           <a:prstGeom prst="rect">
@@ -5227,7 +5230,7 @@
         </p:nvCxnSpPr>
         <p:spPr>
           <a:xfrm>
-            <a:off x="4156037" y="4029000"/>
+            <a:off x="4156037" y="3929940"/>
             <a:ext cx="1392316" cy="276"/>
           </a:xfrm>
           <a:prstGeom prst="straightConnector1">
@@ -5276,7 +5279,7 @@
         </p:nvCxnSpPr>
         <p:spPr>
           <a:xfrm flipV="1">
-            <a:off x="4156037" y="6005313"/>
+            <a:off x="4156037" y="5906253"/>
             <a:ext cx="1402328" cy="5071"/>
           </a:xfrm>
           <a:prstGeom prst="straightConnector1">
@@ -5321,7 +5324,7 @@
         </p:nvSpPr>
         <p:spPr>
           <a:xfrm>
-            <a:off x="54212" y="255339"/>
+            <a:off x="54212" y="156279"/>
             <a:ext cx="1379622" cy="2514278"/>
           </a:xfrm>
           <a:prstGeom prst="rect">
@@ -5379,7 +5382,7 @@
         </p:nvCxnSpPr>
         <p:spPr>
           <a:xfrm>
-            <a:off x="1433834" y="1755100"/>
+            <a:off x="1433834" y="1656040"/>
             <a:ext cx="1083512" cy="0"/>
           </a:xfrm>
           <a:prstGeom prst="straightConnector1">
@@ -5424,7 +5427,7 @@
         </p:nvSpPr>
         <p:spPr>
           <a:xfrm>
-            <a:off x="-11129" y="4070125"/>
+            <a:off x="-11129" y="3971065"/>
             <a:ext cx="1916267" cy="1200329"/>
           </a:xfrm>
           <a:prstGeom prst="rect">
@@ -5465,7 +5468,7 @@
         </p:nvCxnSpPr>
         <p:spPr>
           <a:xfrm>
-            <a:off x="54212" y="2918373"/>
+            <a:off x="54212" y="2819313"/>
             <a:ext cx="12083577" cy="0"/>
           </a:xfrm>
           <a:prstGeom prst="line">
@@ -5507,7 +5510,7 @@
         </p:nvSpPr>
         <p:spPr>
           <a:xfrm>
-            <a:off x="10389162" y="1081614"/>
+            <a:off x="10389162" y="982554"/>
             <a:ext cx="1652558" cy="1340093"/>
           </a:xfrm>
           <a:prstGeom prst="rect">
@@ -5563,7 +5566,7 @@
         </p:nvSpPr>
         <p:spPr>
           <a:xfrm>
-            <a:off x="10389162" y="3400079"/>
+            <a:off x="10389162" y="3301019"/>
             <a:ext cx="1652558" cy="1340093"/>
           </a:xfrm>
           <a:prstGeom prst="rect">
@@ -5619,7 +5622,7 @@
         </p:nvSpPr>
         <p:spPr>
           <a:xfrm>
-            <a:off x="10389162" y="5340337"/>
+            <a:off x="10389162" y="5241277"/>
             <a:ext cx="1652558" cy="1340093"/>
           </a:xfrm>
           <a:prstGeom prst="rect">
@@ -5679,7 +5682,7 @@
         </p:nvCxnSpPr>
         <p:spPr>
           <a:xfrm flipV="1">
-            <a:off x="10179301" y="1751661"/>
+            <a:off x="10179301" y="1652601"/>
             <a:ext cx="209861" cy="3438"/>
           </a:xfrm>
           <a:prstGeom prst="straightConnector1">
@@ -5721,7 +5724,7 @@
         </p:nvSpPr>
         <p:spPr>
           <a:xfrm>
-            <a:off x="1668042" y="1397907"/>
+            <a:off x="1668042" y="1298847"/>
             <a:ext cx="843117" cy="369332"/>
           </a:xfrm>
           <a:prstGeom prst="rect">
@@ -5765,7 +5768,7 @@
         </p:nvSpPr>
         <p:spPr>
           <a:xfrm>
-            <a:off x="4142398" y="1412650"/>
+            <a:off x="4142398" y="1313590"/>
             <a:ext cx="1553487" cy="369332"/>
           </a:xfrm>
           <a:prstGeom prst="rect">
@@ -5804,7 +5807,7 @@
         </p:nvSpPr>
         <p:spPr>
           <a:xfrm>
-            <a:off x="7155205" y="1412650"/>
+            <a:off x="7170445" y="1313590"/>
             <a:ext cx="1553487" cy="369332"/>
           </a:xfrm>
           <a:prstGeom prst="rect">
@@ -5854,7 +5857,7 @@
         </p:nvCxnSpPr>
         <p:spPr>
           <a:xfrm rot="16200000" flipH="1">
-            <a:off x="9048602" y="2729565"/>
+            <a:off x="9048602" y="2630505"/>
             <a:ext cx="1644981" cy="1036140"/>
           </a:xfrm>
           <a:prstGeom prst="bentConnector2">
@@ -5901,7 +5904,7 @@
         </p:nvCxnSpPr>
         <p:spPr>
           <a:xfrm rot="16200000" flipH="1">
-            <a:off x="8078473" y="3699694"/>
+            <a:off x="8078473" y="3600634"/>
             <a:ext cx="3585239" cy="1036140"/>
           </a:xfrm>
           <a:prstGeom prst="bentConnector2">
@@ -5947,7 +5950,7 @@
         </p:nvCxnSpPr>
         <p:spPr>
           <a:xfrm rot="16200000" flipH="1">
-            <a:off x="880228" y="2411720"/>
+            <a:off x="880228" y="2312660"/>
             <a:ext cx="2273898" cy="960662"/>
           </a:xfrm>
           <a:prstGeom prst="bentConnector2">
@@ -5993,7 +5996,7 @@
         </p:nvCxnSpPr>
         <p:spPr>
           <a:xfrm rot="16200000" flipH="1">
-            <a:off x="-112957" y="3399919"/>
+            <a:off x="-112957" y="3300859"/>
             <a:ext cx="4255284" cy="965646"/>
           </a:xfrm>
           <a:prstGeom prst="bentConnector2">
@@ -6039,7 +6042,7 @@
         </p:nvCxnSpPr>
         <p:spPr>
           <a:xfrm flipV="1">
-            <a:off x="7200911" y="1781982"/>
+            <a:off x="7200911" y="1682922"/>
             <a:ext cx="573123" cy="2247294"/>
           </a:xfrm>
           <a:prstGeom prst="bentConnector2">
@@ -6083,7 +6086,7 @@
         </p:nvCxnSpPr>
         <p:spPr>
           <a:xfrm flipV="1">
-            <a:off x="7216895" y="4019254"/>
+            <a:off x="7216895" y="3920194"/>
             <a:ext cx="557140" cy="1976313"/>
           </a:xfrm>
           <a:prstGeom prst="bentConnector2">

--- a/Phase 1/Flowchart Data Engineering.pptx
+++ b/Phase 1/Flowchart Data Engineering.pptx
@@ -197,7 +197,7 @@
           <a:p>
             <a:fld id="{4064435B-DF43-417F-96B3-8B6EC46F3A4C}" type="datetimeFigureOut">
               <a:rPr lang="de-DE" smtClean="0"/>
-              <a:t>22.07.2024</a:t>
+              <a:t>23.07.2024</a:t>
             </a:fld>
             <a:endParaRPr lang="de-DE"/>
           </a:p>
@@ -695,7 +695,7 @@
           <a:p>
             <a:fld id="{1EE83504-469B-4539-8A13-2A7D261DDDE8}" type="datetimeFigureOut">
               <a:rPr lang="de-DE" smtClean="0"/>
-              <a:t>22.07.2024</a:t>
+              <a:t>23.07.2024</a:t>
             </a:fld>
             <a:endParaRPr lang="de-DE"/>
           </a:p>
@@ -893,7 +893,7 @@
           <a:p>
             <a:fld id="{1EE83504-469B-4539-8A13-2A7D261DDDE8}" type="datetimeFigureOut">
               <a:rPr lang="de-DE" smtClean="0"/>
-              <a:t>22.07.2024</a:t>
+              <a:t>23.07.2024</a:t>
             </a:fld>
             <a:endParaRPr lang="de-DE"/>
           </a:p>
@@ -1101,7 +1101,7 @@
           <a:p>
             <a:fld id="{1EE83504-469B-4539-8A13-2A7D261DDDE8}" type="datetimeFigureOut">
               <a:rPr lang="de-DE" smtClean="0"/>
-              <a:t>22.07.2024</a:t>
+              <a:t>23.07.2024</a:t>
             </a:fld>
             <a:endParaRPr lang="de-DE"/>
           </a:p>
@@ -1299,7 +1299,7 @@
           <a:p>
             <a:fld id="{1EE83504-469B-4539-8A13-2A7D261DDDE8}" type="datetimeFigureOut">
               <a:rPr lang="de-DE" smtClean="0"/>
-              <a:t>22.07.2024</a:t>
+              <a:t>23.07.2024</a:t>
             </a:fld>
             <a:endParaRPr lang="de-DE"/>
           </a:p>
@@ -1574,7 +1574,7 @@
           <a:p>
             <a:fld id="{1EE83504-469B-4539-8A13-2A7D261DDDE8}" type="datetimeFigureOut">
               <a:rPr lang="de-DE" smtClean="0"/>
-              <a:t>22.07.2024</a:t>
+              <a:t>23.07.2024</a:t>
             </a:fld>
             <a:endParaRPr lang="de-DE"/>
           </a:p>
@@ -1839,7 +1839,7 @@
           <a:p>
             <a:fld id="{1EE83504-469B-4539-8A13-2A7D261DDDE8}" type="datetimeFigureOut">
               <a:rPr lang="de-DE" smtClean="0"/>
-              <a:t>22.07.2024</a:t>
+              <a:t>23.07.2024</a:t>
             </a:fld>
             <a:endParaRPr lang="de-DE"/>
           </a:p>
@@ -2251,7 +2251,7 @@
           <a:p>
             <a:fld id="{1EE83504-469B-4539-8A13-2A7D261DDDE8}" type="datetimeFigureOut">
               <a:rPr lang="de-DE" smtClean="0"/>
-              <a:t>22.07.2024</a:t>
+              <a:t>23.07.2024</a:t>
             </a:fld>
             <a:endParaRPr lang="de-DE"/>
           </a:p>
@@ -2392,7 +2392,7 @@
           <a:p>
             <a:fld id="{1EE83504-469B-4539-8A13-2A7D261DDDE8}" type="datetimeFigureOut">
               <a:rPr lang="de-DE" smtClean="0"/>
-              <a:t>22.07.2024</a:t>
+              <a:t>23.07.2024</a:t>
             </a:fld>
             <a:endParaRPr lang="de-DE"/>
           </a:p>
@@ -2505,7 +2505,7 @@
           <a:p>
             <a:fld id="{1EE83504-469B-4539-8A13-2A7D261DDDE8}" type="datetimeFigureOut">
               <a:rPr lang="de-DE" smtClean="0"/>
-              <a:t>22.07.2024</a:t>
+              <a:t>23.07.2024</a:t>
             </a:fld>
             <a:endParaRPr lang="de-DE"/>
           </a:p>
@@ -2816,7 +2816,7 @@
           <a:p>
             <a:fld id="{1EE83504-469B-4539-8A13-2A7D261DDDE8}" type="datetimeFigureOut">
               <a:rPr lang="de-DE" smtClean="0"/>
-              <a:t>22.07.2024</a:t>
+              <a:t>23.07.2024</a:t>
             </a:fld>
             <a:endParaRPr lang="de-DE"/>
           </a:p>
@@ -3104,7 +3104,7 @@
           <a:p>
             <a:fld id="{1EE83504-469B-4539-8A13-2A7D261DDDE8}" type="datetimeFigureOut">
               <a:rPr lang="de-DE" smtClean="0"/>
-              <a:t>22.07.2024</a:t>
+              <a:t>23.07.2024</a:t>
             </a:fld>
             <a:endParaRPr lang="de-DE"/>
           </a:p>
@@ -3345,7 +3345,7 @@
           <a:p>
             <a:fld id="{1EE83504-469B-4539-8A13-2A7D261DDDE8}" type="datetimeFigureOut">
               <a:rPr lang="de-DE" smtClean="0"/>
-              <a:t>22.07.2024</a:t>
+              <a:t>23.07.2024</a:t>
             </a:fld>
             <a:endParaRPr lang="de-DE"/>
           </a:p>
@@ -3790,16 +3790,16 @@
                   <a:lumOff val="95000"/>
                 </a:schemeClr>
               </a:gs>
-              <a:gs pos="74000">
+              <a:gs pos="15000">
                 <a:schemeClr val="accent4">
                   <a:lumMod val="45000"/>
                   <a:lumOff val="55000"/>
                 </a:schemeClr>
               </a:gs>
-              <a:gs pos="83000">
+              <a:gs pos="100000">
                 <a:schemeClr val="accent4">
-                  <a:lumMod val="45000"/>
-                  <a:lumOff val="55000"/>
+                  <a:lumMod val="60000"/>
+                  <a:lumOff val="40000"/>
                 </a:schemeClr>
               </a:gs>
             </a:gsLst>
@@ -3907,16 +3907,16 @@
                   <a:lumOff val="95000"/>
                 </a:schemeClr>
               </a:gs>
-              <a:gs pos="74000">
+              <a:gs pos="15000">
                 <a:schemeClr val="accent4">
                   <a:lumMod val="45000"/>
                   <a:lumOff val="55000"/>
                 </a:schemeClr>
               </a:gs>
-              <a:gs pos="83000">
+              <a:gs pos="100000">
                 <a:schemeClr val="accent4">
-                  <a:lumMod val="45000"/>
-                  <a:lumOff val="55000"/>
+                  <a:lumMod val="60000"/>
+                  <a:lumOff val="40000"/>
                 </a:schemeClr>
               </a:gs>
             </a:gsLst>
@@ -4569,16 +4569,16 @@
                   <a:lumOff val="95000"/>
                 </a:schemeClr>
               </a:gs>
-              <a:gs pos="74000">
+              <a:gs pos="15000">
                 <a:schemeClr val="accent4">
                   <a:lumMod val="45000"/>
                   <a:lumOff val="55000"/>
                 </a:schemeClr>
               </a:gs>
-              <a:gs pos="83000">
+              <a:gs pos="100000">
                 <a:schemeClr val="accent4">
-                  <a:lumMod val="45000"/>
-                  <a:lumOff val="55000"/>
+                  <a:lumMod val="60000"/>
+                  <a:lumOff val="40000"/>
                 </a:schemeClr>
               </a:gs>
             </a:gsLst>
